--- a/Document/動物FOUND城市.pptx
+++ b/Document/動物FOUND城市.pptx
@@ -122,7 +122,7 @@
   </p:defaultTextStyle>
   <p:extLst>
     <p:ext uri="{EFAFB233-063F-42B5-8137-9DF3F51BA10A}">
-      <p15:sldGuideLst xmlns="" xmlns:p15="http://schemas.microsoft.com/office/powerpoint/2012/main">
+      <p15:sldGuideLst xmlns:p15="http://schemas.microsoft.com/office/powerpoint/2012/main" xmlns="">
         <p15:guide id="1" pos="3840" userDrawn="1">
           <p15:clr>
             <a:srgbClr val="A4A3A4"/>
@@ -136,7 +136,7 @@
       </p15:sldGuideLst>
     </p:ext>
     <p:ext uri="{2D200454-40CA-4A62-9FC3-DE9A4176ACB9}">
-      <p15:notesGuideLst xmlns="" xmlns:p15="http://schemas.microsoft.com/office/powerpoint/2012/main"/>
+      <p15:notesGuideLst xmlns:p15="http://schemas.microsoft.com/office/powerpoint/2012/main" xmlns=""/>
     </p:ext>
   </p:extLst>
 </p:presentation>
@@ -2554,6 +2554,13 @@
         </dgm:presLayoutVars>
       </dgm:prSet>
       <dgm:spPr/>
+      <dgm:t>
+        <a:bodyPr/>
+        <a:lstStyle/>
+        <a:p>
+          <a:endParaRPr lang="zh-TW" altLang="en-US"/>
+        </a:p>
+      </dgm:t>
     </dgm:pt>
     <dgm:pt modelId="{F5D8C78B-B4BD-4DD5-A770-7B463B1AE4D9}" type="pres">
       <dgm:prSet presAssocID="{DFFD53C8-3FC6-44CA-8D97-3BF679B9F6DB}" presName="triangle1" presStyleLbl="node1" presStyleIdx="0" presStyleCnt="4">
@@ -2562,6 +2569,13 @@
         </dgm:presLayoutVars>
       </dgm:prSet>
       <dgm:spPr/>
+      <dgm:t>
+        <a:bodyPr/>
+        <a:lstStyle/>
+        <a:p>
+          <a:endParaRPr lang="zh-TW" altLang="en-US"/>
+        </a:p>
+      </dgm:t>
     </dgm:pt>
     <dgm:pt modelId="{CBF934B0-E388-4693-9DAD-23D929775006}" type="pres">
       <dgm:prSet presAssocID="{DFFD53C8-3FC6-44CA-8D97-3BF679B9F6DB}" presName="triangle2" presStyleLbl="node1" presStyleIdx="1" presStyleCnt="4">
@@ -2570,6 +2584,13 @@
         </dgm:presLayoutVars>
       </dgm:prSet>
       <dgm:spPr/>
+      <dgm:t>
+        <a:bodyPr/>
+        <a:lstStyle/>
+        <a:p>
+          <a:endParaRPr lang="zh-TW" altLang="en-US"/>
+        </a:p>
+      </dgm:t>
     </dgm:pt>
     <dgm:pt modelId="{766BBCED-DDC9-4909-BD3E-1879F5132EC4}" type="pres">
       <dgm:prSet presAssocID="{DFFD53C8-3FC6-44CA-8D97-3BF679B9F6DB}" presName="triangle3" presStyleLbl="node1" presStyleIdx="2" presStyleCnt="4">
@@ -2578,6 +2599,13 @@
         </dgm:presLayoutVars>
       </dgm:prSet>
       <dgm:spPr/>
+      <dgm:t>
+        <a:bodyPr/>
+        <a:lstStyle/>
+        <a:p>
+          <a:endParaRPr lang="zh-TW" altLang="en-US"/>
+        </a:p>
+      </dgm:t>
     </dgm:pt>
     <dgm:pt modelId="{E4069CD9-A3C2-44F6-B602-F4AE79D711FC}" type="pres">
       <dgm:prSet presAssocID="{DFFD53C8-3FC6-44CA-8D97-3BF679B9F6DB}" presName="triangle4" presStyleLbl="node1" presStyleIdx="3" presStyleCnt="4">
@@ -2586,6 +2614,13 @@
         </dgm:presLayoutVars>
       </dgm:prSet>
       <dgm:spPr/>
+      <dgm:t>
+        <a:bodyPr/>
+        <a:lstStyle/>
+        <a:p>
+          <a:endParaRPr lang="zh-TW" altLang="en-US"/>
+        </a:p>
+      </dgm:t>
     </dgm:pt>
   </dgm:ptLst>
   <dgm:cxnLst>
@@ -3233,6 +3268,13 @@
     <dgm:pt modelId="{00D8D285-11E5-47C6-AC48-6830931F3455}" type="pres">
       <dgm:prSet presAssocID="{75540D40-3FFB-461A-8957-53B10EC96BA9}" presName="Name13" presStyleLbl="parChTrans1D2" presStyleIdx="0" presStyleCnt="10"/>
       <dgm:spPr/>
+      <dgm:t>
+        <a:bodyPr/>
+        <a:lstStyle/>
+        <a:p>
+          <a:endParaRPr lang="zh-TW" altLang="en-US"/>
+        </a:p>
+      </dgm:t>
     </dgm:pt>
     <dgm:pt modelId="{7194E852-AED1-4836-A05F-40697A8E38A3}" type="pres">
       <dgm:prSet presAssocID="{BC069C72-B959-4B18-9F6B-A64A380F859A}" presName="childText" presStyleLbl="bgAcc1" presStyleIdx="0" presStyleCnt="10" custScaleX="220845" custLinFactNeighborX="-5262" custLinFactNeighborY="-351">
@@ -3252,6 +3294,13 @@
     <dgm:pt modelId="{14597B70-EF84-43BD-98A6-FC5CCC1D63B7}" type="pres">
       <dgm:prSet presAssocID="{88D4F931-22FD-443C-82BA-A25E3AC197DD}" presName="Name13" presStyleLbl="parChTrans1D2" presStyleIdx="1" presStyleCnt="10"/>
       <dgm:spPr/>
+      <dgm:t>
+        <a:bodyPr/>
+        <a:lstStyle/>
+        <a:p>
+          <a:endParaRPr lang="zh-TW" altLang="en-US"/>
+        </a:p>
+      </dgm:t>
     </dgm:pt>
     <dgm:pt modelId="{96866919-7ABE-43AD-BDDC-C505E4560D4C}" type="pres">
       <dgm:prSet presAssocID="{403EFE54-E613-408C-86EF-57320B937633}" presName="childText" presStyleLbl="bgAcc1" presStyleIdx="1" presStyleCnt="10" custScaleX="220845" custLinFactNeighborX="-5262" custLinFactNeighborY="-351">
@@ -3271,6 +3320,13 @@
     <dgm:pt modelId="{7F4CBB5C-C1A0-46A9-B258-D4DD8FE59F9C}" type="pres">
       <dgm:prSet presAssocID="{8949449A-9995-410E-A45C-38E5513BF183}" presName="Name13" presStyleLbl="parChTrans1D2" presStyleIdx="2" presStyleCnt="10"/>
       <dgm:spPr/>
+      <dgm:t>
+        <a:bodyPr/>
+        <a:lstStyle/>
+        <a:p>
+          <a:endParaRPr lang="zh-TW" altLang="en-US"/>
+        </a:p>
+      </dgm:t>
     </dgm:pt>
     <dgm:pt modelId="{75C6FE6E-65B4-4571-96DF-1F5EA0509069}" type="pres">
       <dgm:prSet presAssocID="{DC30F947-C02F-4188-9EFD-3B21CDBF1EA8}" presName="childText" presStyleLbl="bgAcc1" presStyleIdx="2" presStyleCnt="10" custScaleX="220845" custLinFactNeighborX="-5262" custLinFactNeighborY="-351">
@@ -3350,6 +3406,13 @@
     <dgm:pt modelId="{C77F96C0-9945-492A-86C9-C10F63F7DDF5}" type="pres">
       <dgm:prSet presAssocID="{8C143228-D0A0-4322-BC00-24292785B967}" presName="Name13" presStyleLbl="parChTrans1D2" presStyleIdx="4" presStyleCnt="10"/>
       <dgm:spPr/>
+      <dgm:t>
+        <a:bodyPr/>
+        <a:lstStyle/>
+        <a:p>
+          <a:endParaRPr lang="zh-TW" altLang="en-US"/>
+        </a:p>
+      </dgm:t>
     </dgm:pt>
     <dgm:pt modelId="{C9262D46-BC89-4BA1-9DAC-678B162CDA9F}" type="pres">
       <dgm:prSet presAssocID="{18C9878E-6348-4DA0-8D5D-941282F02977}" presName="childText" presStyleLbl="bgAcc1" presStyleIdx="4" presStyleCnt="10" custScaleX="220845" custLinFactNeighborX="-5262" custLinFactNeighborY="-351">
@@ -3369,6 +3432,13 @@
     <dgm:pt modelId="{48C2CBBA-58E0-4D7E-936D-D5A21ABA28BD}" type="pres">
       <dgm:prSet presAssocID="{B2EBD568-82F5-4AD9-8829-FAE4D11F7C15}" presName="Name13" presStyleLbl="parChTrans1D2" presStyleIdx="5" presStyleCnt="10"/>
       <dgm:spPr/>
+      <dgm:t>
+        <a:bodyPr/>
+        <a:lstStyle/>
+        <a:p>
+          <a:endParaRPr lang="zh-TW" altLang="en-US"/>
+        </a:p>
+      </dgm:t>
     </dgm:pt>
     <dgm:pt modelId="{18C94880-07A4-4B2F-B34C-DE6A4725E6BF}" type="pres">
       <dgm:prSet presAssocID="{DB16E220-505D-488D-A389-EFEA746B0CBF}" presName="childText" presStyleLbl="bgAcc1" presStyleIdx="5" presStyleCnt="10" custScaleX="220845" custLinFactNeighborX="-5262" custLinFactNeighborY="-351">
@@ -3448,6 +3518,13 @@
     <dgm:pt modelId="{30C33555-B7E8-4B57-A400-22D7FEE34EDB}" type="pres">
       <dgm:prSet presAssocID="{7C1FEEE0-15BD-4CAA-93EF-2C3727C4A12C}" presName="Name13" presStyleLbl="parChTrans1D2" presStyleIdx="7" presStyleCnt="10"/>
       <dgm:spPr/>
+      <dgm:t>
+        <a:bodyPr/>
+        <a:lstStyle/>
+        <a:p>
+          <a:endParaRPr lang="zh-TW" altLang="en-US"/>
+        </a:p>
+      </dgm:t>
     </dgm:pt>
     <dgm:pt modelId="{30F466AB-ACF6-4BAD-B2B9-2ACF4CC4CD25}" type="pres">
       <dgm:prSet presAssocID="{D1371E1E-3902-4AE3-9252-2405A728377F}" presName="childText" presStyleLbl="bgAcc1" presStyleIdx="7" presStyleCnt="10" custScaleX="220845" custLinFactNeighborX="-5262" custLinFactNeighborY="-351">
@@ -3501,6 +3578,13 @@
     <dgm:pt modelId="{0A2FCE9C-2D82-41CF-ACA3-A880494373C4}" type="pres">
       <dgm:prSet presAssocID="{3F3D8D99-78D2-4043-A7DC-687C3FD2E741}" presName="Name13" presStyleLbl="parChTrans1D2" presStyleIdx="8" presStyleCnt="10"/>
       <dgm:spPr/>
+      <dgm:t>
+        <a:bodyPr/>
+        <a:lstStyle/>
+        <a:p>
+          <a:endParaRPr lang="zh-TW" altLang="en-US"/>
+        </a:p>
+      </dgm:t>
     </dgm:pt>
     <dgm:pt modelId="{86C0DB29-0B93-4FE6-9A56-91E1C5FF99B0}" type="pres">
       <dgm:prSet presAssocID="{537DC261-E53F-4D20-BC40-2AFD897DCFD9}" presName="childText" presStyleLbl="bgAcc1" presStyleIdx="8" presStyleCnt="10" custScaleX="220845" custLinFactNeighborX="-5262" custLinFactNeighborY="-351">
@@ -3520,6 +3604,13 @@
     <dgm:pt modelId="{87421114-D512-4CC9-B9E2-F05C967EC835}" type="pres">
       <dgm:prSet presAssocID="{02E934D2-724D-4148-96B4-E257DF950D59}" presName="Name13" presStyleLbl="parChTrans1D2" presStyleIdx="9" presStyleCnt="10"/>
       <dgm:spPr/>
+      <dgm:t>
+        <a:bodyPr/>
+        <a:lstStyle/>
+        <a:p>
+          <a:endParaRPr lang="zh-TW" altLang="en-US"/>
+        </a:p>
+      </dgm:t>
     </dgm:pt>
     <dgm:pt modelId="{669585C7-169B-4D5A-A4C6-85552CD294C8}" type="pres">
       <dgm:prSet presAssocID="{B1E6F1C6-1138-4C5C-86D7-E30AD4609F5D}" presName="childText" presStyleLbl="bgAcc1" presStyleIdx="9" presStyleCnt="10" custScaleX="220845" custLinFactNeighborX="-5262" custLinFactNeighborY="-351">
@@ -3538,49 +3629,49 @@
     </dgm:pt>
   </dgm:ptLst>
   <dgm:cxnLst>
+    <dgm:cxn modelId="{B32875E8-7A19-444C-885C-C0F284BE9200}" srcId="{69103C9C-CBEA-404E-8E5C-6280C15831FC}" destId="{D0E80134-0360-4B96-B88B-E62BC424BE42}" srcOrd="2" destOrd="0" parTransId="{D59DA4A8-957C-40DE-8213-D2C60DBA4481}" sibTransId="{73A75727-00B9-424C-865B-9F007EDAB31B}"/>
+    <dgm:cxn modelId="{C2BE84F9-944C-44C6-8310-A790696D87B2}" type="presOf" srcId="{69103C9C-CBEA-404E-8E5C-6280C15831FC}" destId="{381935DA-5AD7-41F6-8B4F-9D38DA9C84C5}" srcOrd="0" destOrd="0" presId="urn:microsoft.com/office/officeart/2005/8/layout/hierarchy3"/>
+    <dgm:cxn modelId="{8BF0AC22-9DC5-4669-8073-921612CE8125}" type="presOf" srcId="{45EFD978-560C-4221-9BA1-94F47DAE6276}" destId="{374941C4-0D67-4FAF-B494-CF475E5D3468}" srcOrd="1" destOrd="0" presId="urn:microsoft.com/office/officeart/2005/8/layout/hierarchy3"/>
+    <dgm:cxn modelId="{E49D391D-169B-4890-A8CC-EEFBA2429E56}" type="presOf" srcId="{9B378523-AE3E-4A6A-8FAA-D75125586104}" destId="{0E98D102-A85B-46C9-9565-19B7AD9E66C6}" srcOrd="0" destOrd="0" presId="urn:microsoft.com/office/officeart/2005/8/layout/hierarchy3"/>
+    <dgm:cxn modelId="{EA39EF6A-C840-4975-9C92-CBDE9CC55B8E}" srcId="{E2CD4120-8E2B-434A-A86A-EC04ADDD695B}" destId="{003DFB4A-8D3F-4B31-88AB-364DF2DA5678}" srcOrd="3" destOrd="0" parTransId="{7B091652-9421-4DCF-ACC7-2FEE1C54A87E}" sibTransId="{E551587E-A11D-4AFB-BAEC-9A46A6B5D578}"/>
+    <dgm:cxn modelId="{AAFECFB4-B721-4B2F-AAC5-11289CFDE8E1}" type="presOf" srcId="{403EFE54-E613-408C-86EF-57320B937633}" destId="{96866919-7ABE-43AD-BDDC-C505E4560D4C}" srcOrd="0" destOrd="0" presId="urn:microsoft.com/office/officeart/2005/8/layout/hierarchy3"/>
+    <dgm:cxn modelId="{1D59A3A5-1F7E-46F1-A35F-9D1F76ADEAF1}" srcId="{45EFD978-560C-4221-9BA1-94F47DAE6276}" destId="{B1E6F1C6-1138-4C5C-86D7-E30AD4609F5D}" srcOrd="1" destOrd="0" parTransId="{02E934D2-724D-4148-96B4-E257DF950D59}" sibTransId="{913FA3E5-4667-4EB9-BFE6-AF6B494A0A9F}"/>
+    <dgm:cxn modelId="{88047F57-C806-437D-879A-3424850525BC}" type="presOf" srcId="{B1E6F1C6-1138-4C5C-86D7-E30AD4609F5D}" destId="{669585C7-169B-4D5A-A4C6-85552CD294C8}" srcOrd="0" destOrd="0" presId="urn:microsoft.com/office/officeart/2005/8/layout/hierarchy3"/>
+    <dgm:cxn modelId="{567E2BE4-EF3C-46B2-A600-38D989B896B4}" srcId="{E2CD4120-8E2B-434A-A86A-EC04ADDD695B}" destId="{BC069C72-B959-4B18-9F6B-A64A380F859A}" srcOrd="0" destOrd="0" parTransId="{75540D40-3FFB-461A-8957-53B10EC96BA9}" sibTransId="{ED12E8E7-9E01-405C-B59B-A5FC30E44B44}"/>
+    <dgm:cxn modelId="{D828553F-986D-4CA3-AC47-B2A50626DDE0}" type="presOf" srcId="{003DFB4A-8D3F-4B31-88AB-364DF2DA5678}" destId="{C7E57225-7986-4A28-AF21-219D1F897BAF}" srcOrd="0" destOrd="0" presId="urn:microsoft.com/office/officeart/2005/8/layout/hierarchy3"/>
+    <dgm:cxn modelId="{E9E4BD45-A96C-4215-9086-09702365E301}" type="presOf" srcId="{F2EE3B9A-CE51-4B61-A174-C9B511CD3C87}" destId="{FEB16A42-130B-444F-B536-08A692F30C6C}" srcOrd="0" destOrd="0" presId="urn:microsoft.com/office/officeart/2005/8/layout/hierarchy3"/>
+    <dgm:cxn modelId="{F73B21F4-F496-4DDF-9287-444DCAF90FDD}" type="presOf" srcId="{7C1FEEE0-15BD-4CAA-93EF-2C3727C4A12C}" destId="{30C33555-B7E8-4B57-A400-22D7FEE34EDB}" srcOrd="0" destOrd="0" presId="urn:microsoft.com/office/officeart/2005/8/layout/hierarchy3"/>
+    <dgm:cxn modelId="{D39BE294-EDAD-42E4-A9B9-838D60F5C8D9}" type="presOf" srcId="{45EFD978-560C-4221-9BA1-94F47DAE6276}" destId="{68BC07CE-A13A-48E2-803A-E9D1D68118F9}" srcOrd="0" destOrd="0" presId="urn:microsoft.com/office/officeart/2005/8/layout/hierarchy3"/>
+    <dgm:cxn modelId="{8443FEEF-B4F9-4594-A56A-CA203C99E6FD}" srcId="{D0E80134-0360-4B96-B88B-E62BC424BE42}" destId="{D1371E1E-3902-4AE3-9252-2405A728377F}" srcOrd="1" destOrd="0" parTransId="{7C1FEEE0-15BD-4CAA-93EF-2C3727C4A12C}" sibTransId="{550922B0-4C22-4146-B357-FD01A47DF820}"/>
+    <dgm:cxn modelId="{70EFDBF5-002F-4956-9611-882AA4642498}" srcId="{69103C9C-CBEA-404E-8E5C-6280C15831FC}" destId="{45EFD978-560C-4221-9BA1-94F47DAE6276}" srcOrd="3" destOrd="0" parTransId="{27A63F8E-8102-4CC7-AF23-7B5587E29F66}" sibTransId="{001AA429-6A85-446A-ACCF-3841F3BA475B}"/>
+    <dgm:cxn modelId="{7D0680CC-F273-4E74-BFAF-5DB03C9A67C4}" srcId="{D0E80134-0360-4B96-B88B-E62BC424BE42}" destId="{F2EE3B9A-CE51-4B61-A174-C9B511CD3C87}" srcOrd="0" destOrd="0" parTransId="{428165DA-4E9B-4F9B-BABD-174D52ABC1F3}" sibTransId="{700A548E-B5AB-41C6-8DDD-AC90AFF3E88A}"/>
+    <dgm:cxn modelId="{4999241B-DA0B-459E-98D9-CBDD20BFB128}" type="presOf" srcId="{DB16E220-505D-488D-A389-EFEA746B0CBF}" destId="{18C94880-07A4-4B2F-B34C-DE6A4725E6BF}" srcOrd="0" destOrd="0" presId="urn:microsoft.com/office/officeart/2005/8/layout/hierarchy3"/>
+    <dgm:cxn modelId="{EAE8A57B-E13C-4ACA-84FF-6ECD87D312F7}" srcId="{69103C9C-CBEA-404E-8E5C-6280C15831FC}" destId="{9B378523-AE3E-4A6A-8FAA-D75125586104}" srcOrd="1" destOrd="0" parTransId="{9D11F40B-32E3-45E2-8621-5C3D66AA4A4F}" sibTransId="{CAD799E7-D634-4CB6-AF0C-0B93A928BED4}"/>
+    <dgm:cxn modelId="{4086EC9E-EDD7-4997-9FCE-22AB012C46D4}" type="presOf" srcId="{18C9878E-6348-4DA0-8D5D-941282F02977}" destId="{C9262D46-BC89-4BA1-9DAC-678B162CDA9F}" srcOrd="0" destOrd="0" presId="urn:microsoft.com/office/officeart/2005/8/layout/hierarchy3"/>
+    <dgm:cxn modelId="{BAC84E5C-D760-4579-B806-E4C91A83E0D4}" srcId="{E2CD4120-8E2B-434A-A86A-EC04ADDD695B}" destId="{DC30F947-C02F-4188-9EFD-3B21CDBF1EA8}" srcOrd="2" destOrd="0" parTransId="{8949449A-9995-410E-A45C-38E5513BF183}" sibTransId="{4AFFEC4C-A0B7-4430-AB92-A8CDABEDC14B}"/>
+    <dgm:cxn modelId="{D2E569D3-757F-4F5E-AB73-E6D882DC5E45}" type="presOf" srcId="{DC30F947-C02F-4188-9EFD-3B21CDBF1EA8}" destId="{75C6FE6E-65B4-4571-96DF-1F5EA0509069}" srcOrd="0" destOrd="0" presId="urn:microsoft.com/office/officeart/2005/8/layout/hierarchy3"/>
+    <dgm:cxn modelId="{D05DD120-0C9D-4078-812C-EB52E44121E9}" type="presOf" srcId="{E2CD4120-8E2B-434A-A86A-EC04ADDD695B}" destId="{5E505B64-43F1-4315-82BD-9C218FC48DF0}" srcOrd="0" destOrd="0" presId="urn:microsoft.com/office/officeart/2005/8/layout/hierarchy3"/>
+    <dgm:cxn modelId="{B11ED285-6C32-4416-B3F6-0D77CE344D7C}" type="presOf" srcId="{88D4F931-22FD-443C-82BA-A25E3AC197DD}" destId="{14597B70-EF84-43BD-98A6-FC5CCC1D63B7}" srcOrd="0" destOrd="0" presId="urn:microsoft.com/office/officeart/2005/8/layout/hierarchy3"/>
+    <dgm:cxn modelId="{98144976-E756-4869-BFF8-CD5F3795E7C9}" srcId="{69103C9C-CBEA-404E-8E5C-6280C15831FC}" destId="{E2CD4120-8E2B-434A-A86A-EC04ADDD695B}" srcOrd="0" destOrd="0" parTransId="{A0EA980F-DAE1-4B82-B9DA-35217FC6813E}" sibTransId="{06650879-3FDB-44CD-94A8-3DF8E44CEEFF}"/>
+    <dgm:cxn modelId="{9872EEFD-3C27-42EF-8485-2AE775BAB3B3}" type="presOf" srcId="{BC069C72-B959-4B18-9F6B-A64A380F859A}" destId="{7194E852-AED1-4836-A05F-40697A8E38A3}" srcOrd="0" destOrd="0" presId="urn:microsoft.com/office/officeart/2005/8/layout/hierarchy3"/>
+    <dgm:cxn modelId="{32D1547B-2197-4FC6-A065-1B9E07921E9E}" type="presOf" srcId="{3F3D8D99-78D2-4043-A7DC-687C3FD2E741}" destId="{0A2FCE9C-2D82-41CF-ACA3-A880494373C4}" srcOrd="0" destOrd="0" presId="urn:microsoft.com/office/officeart/2005/8/layout/hierarchy3"/>
+    <dgm:cxn modelId="{9220E64F-3532-46A4-9C5A-590371F256C4}" srcId="{45EFD978-560C-4221-9BA1-94F47DAE6276}" destId="{537DC261-E53F-4D20-BC40-2AFD897DCFD9}" srcOrd="0" destOrd="0" parTransId="{3F3D8D99-78D2-4043-A7DC-687C3FD2E741}" sibTransId="{D92C0F02-6308-4A49-A903-EDC6838760CE}"/>
+    <dgm:cxn modelId="{1044DE87-B0EF-4049-B3B9-401905B4F4E4}" type="presOf" srcId="{9B378523-AE3E-4A6A-8FAA-D75125586104}" destId="{CA6A08CD-0675-463A-9EB9-A57729965D92}" srcOrd="1" destOrd="0" presId="urn:microsoft.com/office/officeart/2005/8/layout/hierarchy3"/>
+    <dgm:cxn modelId="{425478B3-92A6-4519-9536-42EB94241274}" type="presOf" srcId="{D1371E1E-3902-4AE3-9252-2405A728377F}" destId="{30F466AB-ACF6-4BAD-B2B9-2ACF4CC4CD25}" srcOrd="0" destOrd="0" presId="urn:microsoft.com/office/officeart/2005/8/layout/hierarchy3"/>
+    <dgm:cxn modelId="{7784A216-7FFE-4BB1-92DD-8EC8EA19063F}" type="presOf" srcId="{D0E80134-0360-4B96-B88B-E62BC424BE42}" destId="{B5329B5F-5F0B-40AC-AEAC-A7A3FA76D585}" srcOrd="0" destOrd="0" presId="urn:microsoft.com/office/officeart/2005/8/layout/hierarchy3"/>
+    <dgm:cxn modelId="{38CBCC62-9CB2-4739-BFE9-8D03F8DA5953}" type="presOf" srcId="{8C143228-D0A0-4322-BC00-24292785B967}" destId="{C77F96C0-9945-492A-86C9-C10F63F7DDF5}" srcOrd="0" destOrd="0" presId="urn:microsoft.com/office/officeart/2005/8/layout/hierarchy3"/>
+    <dgm:cxn modelId="{42D66F64-8E77-43A8-961B-C75E0D1F6D8F}" type="presOf" srcId="{7B091652-9421-4DCF-ACC7-2FEE1C54A87E}" destId="{06F11784-4B00-4991-8F26-95FCE36CF299}" srcOrd="0" destOrd="0" presId="urn:microsoft.com/office/officeart/2005/8/layout/hierarchy3"/>
+    <dgm:cxn modelId="{6FD81007-528C-48D2-99BA-5178B76EA6EA}" type="presOf" srcId="{B2EBD568-82F5-4AD9-8829-FAE4D11F7C15}" destId="{48C2CBBA-58E0-4D7E-936D-D5A21ABA28BD}" srcOrd="0" destOrd="0" presId="urn:microsoft.com/office/officeart/2005/8/layout/hierarchy3"/>
+    <dgm:cxn modelId="{3ADB5967-8BEF-4E24-8B36-7CB9DD91D594}" type="presOf" srcId="{02E934D2-724D-4148-96B4-E257DF950D59}" destId="{87421114-D512-4CC9-B9E2-F05C967EC835}" srcOrd="0" destOrd="0" presId="urn:microsoft.com/office/officeart/2005/8/layout/hierarchy3"/>
+    <dgm:cxn modelId="{236FACFE-72F1-4C0F-AC28-E6C14005D696}" type="presOf" srcId="{75540D40-3FFB-461A-8957-53B10EC96BA9}" destId="{00D8D285-11E5-47C6-AC48-6830931F3455}" srcOrd="0" destOrd="0" presId="urn:microsoft.com/office/officeart/2005/8/layout/hierarchy3"/>
+    <dgm:cxn modelId="{FD5D1051-ABBD-47A2-BF70-4DDDA3B26812}" type="presOf" srcId="{8949449A-9995-410E-A45C-38E5513BF183}" destId="{7F4CBB5C-C1A0-46A9-B258-D4DD8FE59F9C}" srcOrd="0" destOrd="0" presId="urn:microsoft.com/office/officeart/2005/8/layout/hierarchy3"/>
+    <dgm:cxn modelId="{F0C4C96C-4F19-4434-940E-4D5AAB6A2D33}" srcId="{E2CD4120-8E2B-434A-A86A-EC04ADDD695B}" destId="{403EFE54-E613-408C-86EF-57320B937633}" srcOrd="1" destOrd="0" parTransId="{88D4F931-22FD-443C-82BA-A25E3AC197DD}" sibTransId="{010A5E6C-C55E-4EE2-83DC-91A2B1C20A19}"/>
+    <dgm:cxn modelId="{5D0F4595-6C7B-46FA-9A76-690502F9E1D4}" type="presOf" srcId="{E2CD4120-8E2B-434A-A86A-EC04ADDD695B}" destId="{0AC6F47E-7E96-4135-945A-B9CF2818F433}" srcOrd="1" destOrd="0" presId="urn:microsoft.com/office/officeart/2005/8/layout/hierarchy3"/>
     <dgm:cxn modelId="{E938F6B0-292F-4B39-AD83-940FA265BDC4}" srcId="{9B378523-AE3E-4A6A-8FAA-D75125586104}" destId="{18C9878E-6348-4DA0-8D5D-941282F02977}" srcOrd="0" destOrd="0" parTransId="{8C143228-D0A0-4322-BC00-24292785B967}" sibTransId="{0826457F-A698-4604-81E8-3490B9D0F184}"/>
-    <dgm:cxn modelId="{1044DE87-B0EF-4049-B3B9-401905B4F4E4}" type="presOf" srcId="{9B378523-AE3E-4A6A-8FAA-D75125586104}" destId="{CA6A08CD-0675-463A-9EB9-A57729965D92}" srcOrd="1" destOrd="0" presId="urn:microsoft.com/office/officeart/2005/8/layout/hierarchy3"/>
-    <dgm:cxn modelId="{FD5D1051-ABBD-47A2-BF70-4DDDA3B26812}" type="presOf" srcId="{8949449A-9995-410E-A45C-38E5513BF183}" destId="{7F4CBB5C-C1A0-46A9-B258-D4DD8FE59F9C}" srcOrd="0" destOrd="0" presId="urn:microsoft.com/office/officeart/2005/8/layout/hierarchy3"/>
-    <dgm:cxn modelId="{38CBCC62-9CB2-4739-BFE9-8D03F8DA5953}" type="presOf" srcId="{8C143228-D0A0-4322-BC00-24292785B967}" destId="{C77F96C0-9945-492A-86C9-C10F63F7DDF5}" srcOrd="0" destOrd="0" presId="urn:microsoft.com/office/officeart/2005/8/layout/hierarchy3"/>
-    <dgm:cxn modelId="{70EFDBF5-002F-4956-9611-882AA4642498}" srcId="{69103C9C-CBEA-404E-8E5C-6280C15831FC}" destId="{45EFD978-560C-4221-9BA1-94F47DAE6276}" srcOrd="3" destOrd="0" parTransId="{27A63F8E-8102-4CC7-AF23-7B5587E29F66}" sibTransId="{001AA429-6A85-446A-ACCF-3841F3BA475B}"/>
-    <dgm:cxn modelId="{E49D391D-169B-4890-A8CC-EEFBA2429E56}" type="presOf" srcId="{9B378523-AE3E-4A6A-8FAA-D75125586104}" destId="{0E98D102-A85B-46C9-9565-19B7AD9E66C6}" srcOrd="0" destOrd="0" presId="urn:microsoft.com/office/officeart/2005/8/layout/hierarchy3"/>
-    <dgm:cxn modelId="{D39BE294-EDAD-42E4-A9B9-838D60F5C8D9}" type="presOf" srcId="{45EFD978-560C-4221-9BA1-94F47DAE6276}" destId="{68BC07CE-A13A-48E2-803A-E9D1D68118F9}" srcOrd="0" destOrd="0" presId="urn:microsoft.com/office/officeart/2005/8/layout/hierarchy3"/>
-    <dgm:cxn modelId="{B32875E8-7A19-444C-885C-C0F284BE9200}" srcId="{69103C9C-CBEA-404E-8E5C-6280C15831FC}" destId="{D0E80134-0360-4B96-B88B-E62BC424BE42}" srcOrd="2" destOrd="0" parTransId="{D59DA4A8-957C-40DE-8213-D2C60DBA4481}" sibTransId="{73A75727-00B9-424C-865B-9F007EDAB31B}"/>
-    <dgm:cxn modelId="{D2E569D3-757F-4F5E-AB73-E6D882DC5E45}" type="presOf" srcId="{DC30F947-C02F-4188-9EFD-3B21CDBF1EA8}" destId="{75C6FE6E-65B4-4571-96DF-1F5EA0509069}" srcOrd="0" destOrd="0" presId="urn:microsoft.com/office/officeart/2005/8/layout/hierarchy3"/>
-    <dgm:cxn modelId="{42D66F64-8E77-43A8-961B-C75E0D1F6D8F}" type="presOf" srcId="{7B091652-9421-4DCF-ACC7-2FEE1C54A87E}" destId="{06F11784-4B00-4991-8F26-95FCE36CF299}" srcOrd="0" destOrd="0" presId="urn:microsoft.com/office/officeart/2005/8/layout/hierarchy3"/>
-    <dgm:cxn modelId="{3ADB5967-8BEF-4E24-8B36-7CB9DD91D594}" type="presOf" srcId="{02E934D2-724D-4148-96B4-E257DF950D59}" destId="{87421114-D512-4CC9-B9E2-F05C967EC835}" srcOrd="0" destOrd="0" presId="urn:microsoft.com/office/officeart/2005/8/layout/hierarchy3"/>
-    <dgm:cxn modelId="{4999241B-DA0B-459E-98D9-CBDD20BFB128}" type="presOf" srcId="{DB16E220-505D-488D-A389-EFEA746B0CBF}" destId="{18C94880-07A4-4B2F-B34C-DE6A4725E6BF}" srcOrd="0" destOrd="0" presId="urn:microsoft.com/office/officeart/2005/8/layout/hierarchy3"/>
-    <dgm:cxn modelId="{425478B3-92A6-4519-9536-42EB94241274}" type="presOf" srcId="{D1371E1E-3902-4AE3-9252-2405A728377F}" destId="{30F466AB-ACF6-4BAD-B2B9-2ACF4CC4CD25}" srcOrd="0" destOrd="0" presId="urn:microsoft.com/office/officeart/2005/8/layout/hierarchy3"/>
-    <dgm:cxn modelId="{6FD81007-528C-48D2-99BA-5178B76EA6EA}" type="presOf" srcId="{B2EBD568-82F5-4AD9-8829-FAE4D11F7C15}" destId="{48C2CBBA-58E0-4D7E-936D-D5A21ABA28BD}" srcOrd="0" destOrd="0" presId="urn:microsoft.com/office/officeart/2005/8/layout/hierarchy3"/>
+    <dgm:cxn modelId="{B341BC4D-8248-413C-BAED-DF4290096E81}" type="presOf" srcId="{428165DA-4E9B-4F9B-BABD-174D52ABC1F3}" destId="{4140F67D-0D3C-4360-8191-60B02D3EEF9E}" srcOrd="0" destOrd="0" presId="urn:microsoft.com/office/officeart/2005/8/layout/hierarchy3"/>
+    <dgm:cxn modelId="{6C76A314-FB22-44F0-9FA4-B4269CB05C3E}" type="presOf" srcId="{537DC261-E53F-4D20-BC40-2AFD897DCFD9}" destId="{86C0DB29-0B93-4FE6-9A56-91E1C5FF99B0}" srcOrd="0" destOrd="0" presId="urn:microsoft.com/office/officeart/2005/8/layout/hierarchy3"/>
+    <dgm:cxn modelId="{4E88119E-7719-4129-9155-82B0BBA8E14F}" srcId="{9B378523-AE3E-4A6A-8FAA-D75125586104}" destId="{DB16E220-505D-488D-A389-EFEA746B0CBF}" srcOrd="1" destOrd="0" parTransId="{B2EBD568-82F5-4AD9-8829-FAE4D11F7C15}" sibTransId="{F764204C-AD80-439D-BDE1-8BEA4E17BAA8}"/>
     <dgm:cxn modelId="{C8DD45B6-D4CB-44D1-A556-97E8A3E9695B}" type="presOf" srcId="{D0E80134-0360-4B96-B88B-E62BC424BE42}" destId="{4C313F64-F9D8-402F-AF03-039F857D4EE6}" srcOrd="1" destOrd="0" presId="urn:microsoft.com/office/officeart/2005/8/layout/hierarchy3"/>
-    <dgm:cxn modelId="{7784A216-7FFE-4BB1-92DD-8EC8EA19063F}" type="presOf" srcId="{D0E80134-0360-4B96-B88B-E62BC424BE42}" destId="{B5329B5F-5F0B-40AC-AEAC-A7A3FA76D585}" srcOrd="0" destOrd="0" presId="urn:microsoft.com/office/officeart/2005/8/layout/hierarchy3"/>
-    <dgm:cxn modelId="{9872EEFD-3C27-42EF-8485-2AE775BAB3B3}" type="presOf" srcId="{BC069C72-B959-4B18-9F6B-A64A380F859A}" destId="{7194E852-AED1-4836-A05F-40697A8E38A3}" srcOrd="0" destOrd="0" presId="urn:microsoft.com/office/officeart/2005/8/layout/hierarchy3"/>
-    <dgm:cxn modelId="{B341BC4D-8248-413C-BAED-DF4290096E81}" type="presOf" srcId="{428165DA-4E9B-4F9B-BABD-174D52ABC1F3}" destId="{4140F67D-0D3C-4360-8191-60B02D3EEF9E}" srcOrd="0" destOrd="0" presId="urn:microsoft.com/office/officeart/2005/8/layout/hierarchy3"/>
-    <dgm:cxn modelId="{98144976-E756-4869-BFF8-CD5F3795E7C9}" srcId="{69103C9C-CBEA-404E-8E5C-6280C15831FC}" destId="{E2CD4120-8E2B-434A-A86A-EC04ADDD695B}" srcOrd="0" destOrd="0" parTransId="{A0EA980F-DAE1-4B82-B9DA-35217FC6813E}" sibTransId="{06650879-3FDB-44CD-94A8-3DF8E44CEEFF}"/>
-    <dgm:cxn modelId="{6C76A314-FB22-44F0-9FA4-B4269CB05C3E}" type="presOf" srcId="{537DC261-E53F-4D20-BC40-2AFD897DCFD9}" destId="{86C0DB29-0B93-4FE6-9A56-91E1C5FF99B0}" srcOrd="0" destOrd="0" presId="urn:microsoft.com/office/officeart/2005/8/layout/hierarchy3"/>
-    <dgm:cxn modelId="{5D0F4595-6C7B-46FA-9A76-690502F9E1D4}" type="presOf" srcId="{E2CD4120-8E2B-434A-A86A-EC04ADDD695B}" destId="{0AC6F47E-7E96-4135-945A-B9CF2818F433}" srcOrd="1" destOrd="0" presId="urn:microsoft.com/office/officeart/2005/8/layout/hierarchy3"/>
-    <dgm:cxn modelId="{236FACFE-72F1-4C0F-AC28-E6C14005D696}" type="presOf" srcId="{75540D40-3FFB-461A-8957-53B10EC96BA9}" destId="{00D8D285-11E5-47C6-AC48-6830931F3455}" srcOrd="0" destOrd="0" presId="urn:microsoft.com/office/officeart/2005/8/layout/hierarchy3"/>
-    <dgm:cxn modelId="{AAFECFB4-B721-4B2F-AAC5-11289CFDE8E1}" type="presOf" srcId="{403EFE54-E613-408C-86EF-57320B937633}" destId="{96866919-7ABE-43AD-BDDC-C505E4560D4C}" srcOrd="0" destOrd="0" presId="urn:microsoft.com/office/officeart/2005/8/layout/hierarchy3"/>
-    <dgm:cxn modelId="{7D0680CC-F273-4E74-BFAF-5DB03C9A67C4}" srcId="{D0E80134-0360-4B96-B88B-E62BC424BE42}" destId="{F2EE3B9A-CE51-4B61-A174-C9B511CD3C87}" srcOrd="0" destOrd="0" parTransId="{428165DA-4E9B-4F9B-BABD-174D52ABC1F3}" sibTransId="{700A548E-B5AB-41C6-8DDD-AC90AFF3E88A}"/>
-    <dgm:cxn modelId="{9220E64F-3532-46A4-9C5A-590371F256C4}" srcId="{45EFD978-560C-4221-9BA1-94F47DAE6276}" destId="{537DC261-E53F-4D20-BC40-2AFD897DCFD9}" srcOrd="0" destOrd="0" parTransId="{3F3D8D99-78D2-4043-A7DC-687C3FD2E741}" sibTransId="{D92C0F02-6308-4A49-A903-EDC6838760CE}"/>
-    <dgm:cxn modelId="{4E88119E-7719-4129-9155-82B0BBA8E14F}" srcId="{9B378523-AE3E-4A6A-8FAA-D75125586104}" destId="{DB16E220-505D-488D-A389-EFEA746B0CBF}" srcOrd="1" destOrd="0" parTransId="{B2EBD568-82F5-4AD9-8829-FAE4D11F7C15}" sibTransId="{F764204C-AD80-439D-BDE1-8BEA4E17BAA8}"/>
-    <dgm:cxn modelId="{4086EC9E-EDD7-4997-9FCE-22AB012C46D4}" type="presOf" srcId="{18C9878E-6348-4DA0-8D5D-941282F02977}" destId="{C9262D46-BC89-4BA1-9DAC-678B162CDA9F}" srcOrd="0" destOrd="0" presId="urn:microsoft.com/office/officeart/2005/8/layout/hierarchy3"/>
-    <dgm:cxn modelId="{D828553F-986D-4CA3-AC47-B2A50626DDE0}" type="presOf" srcId="{003DFB4A-8D3F-4B31-88AB-364DF2DA5678}" destId="{C7E57225-7986-4A28-AF21-219D1F897BAF}" srcOrd="0" destOrd="0" presId="urn:microsoft.com/office/officeart/2005/8/layout/hierarchy3"/>
-    <dgm:cxn modelId="{C2BE84F9-944C-44C6-8310-A790696D87B2}" type="presOf" srcId="{69103C9C-CBEA-404E-8E5C-6280C15831FC}" destId="{381935DA-5AD7-41F6-8B4F-9D38DA9C84C5}" srcOrd="0" destOrd="0" presId="urn:microsoft.com/office/officeart/2005/8/layout/hierarchy3"/>
-    <dgm:cxn modelId="{567E2BE4-EF3C-46B2-A600-38D989B896B4}" srcId="{E2CD4120-8E2B-434A-A86A-EC04ADDD695B}" destId="{BC069C72-B959-4B18-9F6B-A64A380F859A}" srcOrd="0" destOrd="0" parTransId="{75540D40-3FFB-461A-8957-53B10EC96BA9}" sibTransId="{ED12E8E7-9E01-405C-B59B-A5FC30E44B44}"/>
-    <dgm:cxn modelId="{D05DD120-0C9D-4078-812C-EB52E44121E9}" type="presOf" srcId="{E2CD4120-8E2B-434A-A86A-EC04ADDD695B}" destId="{5E505B64-43F1-4315-82BD-9C218FC48DF0}" srcOrd="0" destOrd="0" presId="urn:microsoft.com/office/officeart/2005/8/layout/hierarchy3"/>
-    <dgm:cxn modelId="{88047F57-C806-437D-879A-3424850525BC}" type="presOf" srcId="{B1E6F1C6-1138-4C5C-86D7-E30AD4609F5D}" destId="{669585C7-169B-4D5A-A4C6-85552CD294C8}" srcOrd="0" destOrd="0" presId="urn:microsoft.com/office/officeart/2005/8/layout/hierarchy3"/>
-    <dgm:cxn modelId="{F0C4C96C-4F19-4434-940E-4D5AAB6A2D33}" srcId="{E2CD4120-8E2B-434A-A86A-EC04ADDD695B}" destId="{403EFE54-E613-408C-86EF-57320B937633}" srcOrd="1" destOrd="0" parTransId="{88D4F931-22FD-443C-82BA-A25E3AC197DD}" sibTransId="{010A5E6C-C55E-4EE2-83DC-91A2B1C20A19}"/>
-    <dgm:cxn modelId="{EA39EF6A-C840-4975-9C92-CBDE9CC55B8E}" srcId="{E2CD4120-8E2B-434A-A86A-EC04ADDD695B}" destId="{003DFB4A-8D3F-4B31-88AB-364DF2DA5678}" srcOrd="3" destOrd="0" parTransId="{7B091652-9421-4DCF-ACC7-2FEE1C54A87E}" sibTransId="{E551587E-A11D-4AFB-BAEC-9A46A6B5D578}"/>
-    <dgm:cxn modelId="{1D59A3A5-1F7E-46F1-A35F-9D1F76ADEAF1}" srcId="{45EFD978-560C-4221-9BA1-94F47DAE6276}" destId="{B1E6F1C6-1138-4C5C-86D7-E30AD4609F5D}" srcOrd="1" destOrd="0" parTransId="{02E934D2-724D-4148-96B4-E257DF950D59}" sibTransId="{913FA3E5-4667-4EB9-BFE6-AF6B494A0A9F}"/>
-    <dgm:cxn modelId="{F73B21F4-F496-4DDF-9287-444DCAF90FDD}" type="presOf" srcId="{7C1FEEE0-15BD-4CAA-93EF-2C3727C4A12C}" destId="{30C33555-B7E8-4B57-A400-22D7FEE34EDB}" srcOrd="0" destOrd="0" presId="urn:microsoft.com/office/officeart/2005/8/layout/hierarchy3"/>
-    <dgm:cxn modelId="{8BF0AC22-9DC5-4669-8073-921612CE8125}" type="presOf" srcId="{45EFD978-560C-4221-9BA1-94F47DAE6276}" destId="{374941C4-0D67-4FAF-B494-CF475E5D3468}" srcOrd="1" destOrd="0" presId="urn:microsoft.com/office/officeart/2005/8/layout/hierarchy3"/>
-    <dgm:cxn modelId="{8443FEEF-B4F9-4594-A56A-CA203C99E6FD}" srcId="{D0E80134-0360-4B96-B88B-E62BC424BE42}" destId="{D1371E1E-3902-4AE3-9252-2405A728377F}" srcOrd="1" destOrd="0" parTransId="{7C1FEEE0-15BD-4CAA-93EF-2C3727C4A12C}" sibTransId="{550922B0-4C22-4146-B357-FD01A47DF820}"/>
-    <dgm:cxn modelId="{BAC84E5C-D760-4579-B806-E4C91A83E0D4}" srcId="{E2CD4120-8E2B-434A-A86A-EC04ADDD695B}" destId="{DC30F947-C02F-4188-9EFD-3B21CDBF1EA8}" srcOrd="2" destOrd="0" parTransId="{8949449A-9995-410E-A45C-38E5513BF183}" sibTransId="{4AFFEC4C-A0B7-4430-AB92-A8CDABEDC14B}"/>
-    <dgm:cxn modelId="{B11ED285-6C32-4416-B3F6-0D77CE344D7C}" type="presOf" srcId="{88D4F931-22FD-443C-82BA-A25E3AC197DD}" destId="{14597B70-EF84-43BD-98A6-FC5CCC1D63B7}" srcOrd="0" destOrd="0" presId="urn:microsoft.com/office/officeart/2005/8/layout/hierarchy3"/>
-    <dgm:cxn modelId="{E9E4BD45-A96C-4215-9086-09702365E301}" type="presOf" srcId="{F2EE3B9A-CE51-4B61-A174-C9B511CD3C87}" destId="{FEB16A42-130B-444F-B536-08A692F30C6C}" srcOrd="0" destOrd="0" presId="urn:microsoft.com/office/officeart/2005/8/layout/hierarchy3"/>
-    <dgm:cxn modelId="{EAE8A57B-E13C-4ACA-84FF-6ECD87D312F7}" srcId="{69103C9C-CBEA-404E-8E5C-6280C15831FC}" destId="{9B378523-AE3E-4A6A-8FAA-D75125586104}" srcOrd="1" destOrd="0" parTransId="{9D11F40B-32E3-45E2-8621-5C3D66AA4A4F}" sibTransId="{CAD799E7-D634-4CB6-AF0C-0B93A928BED4}"/>
-    <dgm:cxn modelId="{32D1547B-2197-4FC6-A065-1B9E07921E9E}" type="presOf" srcId="{3F3D8D99-78D2-4043-A7DC-687C3FD2E741}" destId="{0A2FCE9C-2D82-41CF-ACA3-A880494373C4}" srcOrd="0" destOrd="0" presId="urn:microsoft.com/office/officeart/2005/8/layout/hierarchy3"/>
     <dgm:cxn modelId="{DEDC7023-7095-4F7D-8DFE-9A2C498C4F8E}" type="presParOf" srcId="{381935DA-5AD7-41F6-8B4F-9D38DA9C84C5}" destId="{804892F4-684E-4A6D-80DA-69C02F6EB5AA}" srcOrd="0" destOrd="0" presId="urn:microsoft.com/office/officeart/2005/8/layout/hierarchy3"/>
     <dgm:cxn modelId="{A9420003-BF98-4DB0-B491-36DEFD74C3C9}" type="presParOf" srcId="{804892F4-684E-4A6D-80DA-69C02F6EB5AA}" destId="{50479826-8340-4EDF-91C3-CAD5C640762E}" srcOrd="0" destOrd="0" presId="urn:microsoft.com/office/officeart/2005/8/layout/hierarchy3"/>
     <dgm:cxn modelId="{A1A6EFC3-3664-472D-9610-F889F0C61C4D}" type="presParOf" srcId="{50479826-8340-4EDF-91C3-CAD5C640762E}" destId="{5E505B64-43F1-4315-82BD-9C218FC48DF0}" srcOrd="0" destOrd="0" presId="urn:microsoft.com/office/officeart/2005/8/layout/hierarchy3"/>
@@ -4350,7 +4441,7 @@
       </dsp:nvSpPr>
       <dsp:spPr>
         <a:xfrm>
-          <a:off x="4063999" y="2709333"/>
+          <a:off x="4064000" y="2709333"/>
           <a:ext cx="2709333" cy="2709333"/>
         </a:xfrm>
         <a:prstGeom prst="triangle">
@@ -4417,7 +4508,7 @@
         </a:p>
       </dsp:txBody>
       <dsp:txXfrm>
-        <a:off x="4063999" y="2709333"/>
+        <a:off x="4064000" y="2709333"/>
         <a:ext cx="2709333" cy="2709333"/>
       </dsp:txXfrm>
     </dsp:sp>
@@ -10837,7 +10928,7 @@
             <a:fld id="{59041DB8-B66F-4DC8-A96E-33677E0F90FF}" type="datetimeFigureOut">
               <a:rPr lang="en-US" altLang="zh-TW" smtClean="0"/>
               <a:pPr/>
-              <a:t>11/8/2017</a:t>
+              <a:t>11/9/2017</a:t>
             </a:fld>
             <a:endParaRPr lang="zh-TW"/>
           </a:p>
@@ -10913,7 +11004,7 @@
     </p:spTree>
     <p:extLst>
       <p:ext uri="{BB962C8B-B14F-4D97-AF65-F5344CB8AC3E}">
-        <p14:creationId xmlns="" xmlns:p14="http://schemas.microsoft.com/office/powerpoint/2010/main" val="4247389152"/>
+        <p14:creationId xmlns:p14="http://schemas.microsoft.com/office/powerpoint/2010/main" xmlns="" val="4247389152"/>
       </p:ext>
     </p:extLst>
   </p:cSld>
@@ -11172,7 +11263,7 @@
     </p:spTree>
     <p:extLst>
       <p:ext uri="{BB962C8B-B14F-4D97-AF65-F5344CB8AC3E}">
-        <p14:creationId xmlns="" xmlns:p14="http://schemas.microsoft.com/office/powerpoint/2010/main" val="2193636149"/>
+        <p14:creationId xmlns:p14="http://schemas.microsoft.com/office/powerpoint/2010/main" xmlns="" val="2193636149"/>
       </p:ext>
     </p:extLst>
   </p:cSld>
@@ -11347,7 +11438,7 @@
     </p:spTree>
     <p:extLst>
       <p:ext uri="{BB962C8B-B14F-4D97-AF65-F5344CB8AC3E}">
-        <p14:creationId xmlns="" xmlns:p14="http://schemas.microsoft.com/office/powerpoint/2010/main" val="1980303916"/>
+        <p14:creationId xmlns:p14="http://schemas.microsoft.com/office/powerpoint/2010/main" xmlns="" val="1980303916"/>
       </p:ext>
     </p:extLst>
   </p:cSld>
@@ -11432,7 +11523,7 @@
     </p:spTree>
     <p:extLst>
       <p:ext uri="{BB962C8B-B14F-4D97-AF65-F5344CB8AC3E}">
-        <p14:creationId xmlns="" xmlns:p14="http://schemas.microsoft.com/office/powerpoint/2010/main" val="1980303916"/>
+        <p14:creationId xmlns:p14="http://schemas.microsoft.com/office/powerpoint/2010/main" xmlns="" val="1980303916"/>
       </p:ext>
     </p:extLst>
   </p:cSld>
@@ -13431,7 +13522,7 @@
     </p:spTree>
     <p:extLst>
       <p:ext uri="{BB962C8B-B14F-4D97-AF65-F5344CB8AC3E}">
-        <p14:creationId xmlns="" xmlns:p14="http://schemas.microsoft.com/office/powerpoint/2010/main" val="798862757"/>
+        <p14:creationId xmlns:p14="http://schemas.microsoft.com/office/powerpoint/2010/main" xmlns="" val="798862757"/>
       </p:ext>
     </p:extLst>
   </p:cSld>
@@ -13439,7 +13530,7 @@
     <a:masterClrMapping/>
   </p:clrMapOvr>
   <mc:AlternateContent xmlns:mc="http://schemas.openxmlformats.org/markup-compatibility/2006">
-    <mc:Choice xmlns="" xmlns:p14="http://schemas.microsoft.com/office/powerpoint/2010/main" Requires="p14">
+    <mc:Choice xmlns:p14="http://schemas.microsoft.com/office/powerpoint/2010/main" xmlns="" Requires="p14">
       <p:transition spd="med" p14:dur="700">
         <p:fade/>
       </p:transition>
@@ -13615,7 +13706,7 @@
     </p:spTree>
     <p:extLst>
       <p:ext uri="{BB962C8B-B14F-4D97-AF65-F5344CB8AC3E}">
-        <p14:creationId xmlns="" xmlns:p14="http://schemas.microsoft.com/office/powerpoint/2010/main" val="2477154221"/>
+        <p14:creationId xmlns:p14="http://schemas.microsoft.com/office/powerpoint/2010/main" xmlns="" val="2477154221"/>
       </p:ext>
     </p:extLst>
   </p:cSld>
@@ -13623,7 +13714,7 @@
     <a:masterClrMapping/>
   </p:clrMapOvr>
   <mc:AlternateContent xmlns:mc="http://schemas.openxmlformats.org/markup-compatibility/2006">
-    <mc:Choice xmlns="" xmlns:p14="http://schemas.microsoft.com/office/powerpoint/2010/main" Requires="p14">
+    <mc:Choice xmlns:p14="http://schemas.microsoft.com/office/powerpoint/2010/main" xmlns="" Requires="p14">
       <p:transition spd="med" p14:dur="700">
         <p:fade/>
       </p:transition>
@@ -13809,7 +13900,7 @@
     </p:spTree>
     <p:extLst>
       <p:ext uri="{BB962C8B-B14F-4D97-AF65-F5344CB8AC3E}">
-        <p14:creationId xmlns="" xmlns:p14="http://schemas.microsoft.com/office/powerpoint/2010/main" val="2524635021"/>
+        <p14:creationId xmlns:p14="http://schemas.microsoft.com/office/powerpoint/2010/main" xmlns="" val="2524635021"/>
       </p:ext>
     </p:extLst>
   </p:cSld>
@@ -13817,7 +13908,7 @@
     <a:masterClrMapping/>
   </p:clrMapOvr>
   <mc:AlternateContent xmlns:mc="http://schemas.openxmlformats.org/markup-compatibility/2006">
-    <mc:Choice xmlns="" xmlns:p14="http://schemas.microsoft.com/office/powerpoint/2010/main" Requires="p14">
+    <mc:Choice xmlns:p14="http://schemas.microsoft.com/office/powerpoint/2010/main" xmlns="" Requires="p14">
       <p:transition spd="med" p14:dur="700">
         <p:fade/>
       </p:transition>
@@ -13993,7 +14084,7 @@
     </p:spTree>
     <p:extLst>
       <p:ext uri="{BB962C8B-B14F-4D97-AF65-F5344CB8AC3E}">
-        <p14:creationId xmlns="" xmlns:p14="http://schemas.microsoft.com/office/powerpoint/2010/main" val="3112444112"/>
+        <p14:creationId xmlns:p14="http://schemas.microsoft.com/office/powerpoint/2010/main" xmlns="" val="3112444112"/>
       </p:ext>
     </p:extLst>
   </p:cSld>
@@ -14001,7 +14092,7 @@
     <a:masterClrMapping/>
   </p:clrMapOvr>
   <mc:AlternateContent xmlns:mc="http://schemas.openxmlformats.org/markup-compatibility/2006">
-    <mc:Choice xmlns="" xmlns:p14="http://schemas.microsoft.com/office/powerpoint/2010/main" Requires="p14">
+    <mc:Choice xmlns:p14="http://schemas.microsoft.com/office/powerpoint/2010/main" xmlns="" Requires="p14">
       <p:transition spd="med" p14:dur="700">
         <p:fade/>
       </p:transition>
@@ -16029,7 +16120,7 @@
     </p:spTree>
     <p:extLst>
       <p:ext uri="{BB962C8B-B14F-4D97-AF65-F5344CB8AC3E}">
-        <p14:creationId xmlns="" xmlns:p14="http://schemas.microsoft.com/office/powerpoint/2010/main" val="3506778040"/>
+        <p14:creationId xmlns:p14="http://schemas.microsoft.com/office/powerpoint/2010/main" xmlns="" val="3506778040"/>
       </p:ext>
     </p:extLst>
   </p:cSld>
@@ -16037,7 +16128,7 @@
     <a:overrideClrMapping bg1="dk1" tx1="lt1" bg2="dk2" tx2="lt2" accent1="accent1" accent2="accent2" accent3="accent3" accent4="accent4" accent5="accent5" accent6="accent6" hlink="hlink" folHlink="folHlink"/>
   </p:clrMapOvr>
   <mc:AlternateContent xmlns:mc="http://schemas.openxmlformats.org/markup-compatibility/2006">
-    <mc:Choice xmlns="" xmlns:p14="http://schemas.microsoft.com/office/powerpoint/2010/main" Requires="p14">
+    <mc:Choice xmlns:p14="http://schemas.microsoft.com/office/powerpoint/2010/main" xmlns="" Requires="p14">
       <p:transition spd="med" p14:dur="700">
         <p:fade/>
       </p:transition>
@@ -16335,7 +16426,7 @@
     </p:spTree>
     <p:extLst>
       <p:ext uri="{BB962C8B-B14F-4D97-AF65-F5344CB8AC3E}">
-        <p14:creationId xmlns="" xmlns:p14="http://schemas.microsoft.com/office/powerpoint/2010/main" val="4044567947"/>
+        <p14:creationId xmlns:p14="http://schemas.microsoft.com/office/powerpoint/2010/main" xmlns="" val="4044567947"/>
       </p:ext>
     </p:extLst>
   </p:cSld>
@@ -16343,7 +16434,7 @@
     <a:masterClrMapping/>
   </p:clrMapOvr>
   <mc:AlternateContent xmlns:mc="http://schemas.openxmlformats.org/markup-compatibility/2006">
-    <mc:Choice xmlns="" xmlns:p14="http://schemas.microsoft.com/office/powerpoint/2010/main" Requires="p14">
+    <mc:Choice xmlns:p14="http://schemas.microsoft.com/office/powerpoint/2010/main" xmlns="" Requires="p14">
       <p:transition spd="med" p14:dur="700">
         <p:fade/>
       </p:transition>
@@ -16789,7 +16880,7 @@
     </p:spTree>
     <p:extLst>
       <p:ext uri="{BB962C8B-B14F-4D97-AF65-F5344CB8AC3E}">
-        <p14:creationId xmlns="" xmlns:p14="http://schemas.microsoft.com/office/powerpoint/2010/main" val="3397906568"/>
+        <p14:creationId xmlns:p14="http://schemas.microsoft.com/office/powerpoint/2010/main" xmlns="" val="3397906568"/>
       </p:ext>
     </p:extLst>
   </p:cSld>
@@ -16797,7 +16888,7 @@
     <a:masterClrMapping/>
   </p:clrMapOvr>
   <mc:AlternateContent xmlns:mc="http://schemas.openxmlformats.org/markup-compatibility/2006">
-    <mc:Choice xmlns="" xmlns:p14="http://schemas.microsoft.com/office/powerpoint/2010/main" Requires="p14">
+    <mc:Choice xmlns:p14="http://schemas.microsoft.com/office/powerpoint/2010/main" xmlns="" Requires="p14">
       <p:transition spd="med" p14:dur="700">
         <p:fade/>
       </p:transition>
@@ -16921,7 +17012,7 @@
     </p:spTree>
     <p:extLst>
       <p:ext uri="{BB962C8B-B14F-4D97-AF65-F5344CB8AC3E}">
-        <p14:creationId xmlns="" xmlns:p14="http://schemas.microsoft.com/office/powerpoint/2010/main" val="3238976713"/>
+        <p14:creationId xmlns:p14="http://schemas.microsoft.com/office/powerpoint/2010/main" xmlns="" val="3238976713"/>
       </p:ext>
     </p:extLst>
   </p:cSld>
@@ -16929,7 +17020,7 @@
     <a:masterClrMapping/>
   </p:clrMapOvr>
   <mc:AlternateContent xmlns:mc="http://schemas.openxmlformats.org/markup-compatibility/2006">
-    <mc:Choice xmlns="" xmlns:p14="http://schemas.microsoft.com/office/powerpoint/2010/main" Requires="p14">
+    <mc:Choice xmlns:p14="http://schemas.microsoft.com/office/powerpoint/2010/main" xmlns="" Requires="p14">
       <p:transition spd="med" p14:dur="700">
         <p:fade/>
       </p:transition>
@@ -18853,7 +18944,7 @@
     </p:spTree>
     <p:extLst>
       <p:ext uri="{BB962C8B-B14F-4D97-AF65-F5344CB8AC3E}">
-        <p14:creationId xmlns="" xmlns:p14="http://schemas.microsoft.com/office/powerpoint/2010/main" val="2146817227"/>
+        <p14:creationId xmlns:p14="http://schemas.microsoft.com/office/powerpoint/2010/main" xmlns="" val="2146817227"/>
       </p:ext>
     </p:extLst>
   </p:cSld>
@@ -18861,7 +18952,7 @@
     <a:masterClrMapping/>
   </p:clrMapOvr>
   <mc:AlternateContent xmlns:mc="http://schemas.openxmlformats.org/markup-compatibility/2006">
-    <mc:Choice xmlns="" xmlns:p14="http://schemas.microsoft.com/office/powerpoint/2010/main" Requires="p14">
+    <mc:Choice xmlns:p14="http://schemas.microsoft.com/office/powerpoint/2010/main" xmlns="" Requires="p14">
       <p:transition spd="med" p14:dur="700">
         <p:fade/>
       </p:transition>
@@ -21101,7 +21192,7 @@
     </p:spTree>
     <p:extLst>
       <p:ext uri="{BB962C8B-B14F-4D97-AF65-F5344CB8AC3E}">
-        <p14:creationId xmlns="" xmlns:p14="http://schemas.microsoft.com/office/powerpoint/2010/main" val="1667374130"/>
+        <p14:creationId xmlns:p14="http://schemas.microsoft.com/office/powerpoint/2010/main" xmlns="" val="1667374130"/>
       </p:ext>
     </p:extLst>
   </p:cSld>
@@ -21109,7 +21200,7 @@
     <a:masterClrMapping/>
   </p:clrMapOvr>
   <mc:AlternateContent xmlns:mc="http://schemas.openxmlformats.org/markup-compatibility/2006">
-    <mc:Choice xmlns="" xmlns:p14="http://schemas.microsoft.com/office/powerpoint/2010/main" Requires="p14">
+    <mc:Choice xmlns:p14="http://schemas.microsoft.com/office/powerpoint/2010/main" xmlns="" Requires="p14">
       <p:transition spd="med" p14:dur="700">
         <p:fade/>
       </p:transition>
@@ -23260,7 +23351,7 @@
     </p:spTree>
     <p:extLst>
       <p:ext uri="{BB962C8B-B14F-4D97-AF65-F5344CB8AC3E}">
-        <p14:creationId xmlns="" xmlns:p14="http://schemas.microsoft.com/office/powerpoint/2010/main" val="620318007"/>
+        <p14:creationId xmlns:p14="http://schemas.microsoft.com/office/powerpoint/2010/main" xmlns="" val="620318007"/>
       </p:ext>
     </p:extLst>
   </p:cSld>
@@ -23268,7 +23359,7 @@
     <a:masterClrMapping/>
   </p:clrMapOvr>
   <mc:AlternateContent xmlns:mc="http://schemas.openxmlformats.org/markup-compatibility/2006">
-    <mc:Choice xmlns="" xmlns:p14="http://schemas.microsoft.com/office/powerpoint/2010/main" Requires="p14">
+    <mc:Choice xmlns:p14="http://schemas.microsoft.com/office/powerpoint/2010/main" xmlns="" Requires="p14">
       <p:transition spd="med" p14:dur="700">
         <p:fade/>
       </p:transition>
@@ -25279,7 +25370,7 @@
             <a:fld id="{B51B2453-8663-4C69-AF73-9FD7B1DEC5D0}" type="datetime1">
               <a:rPr lang="en-US" altLang="zh-TW" smtClean="0"/>
               <a:pPr/>
-              <a:t>11/8/2017</a:t>
+              <a:t>11/9/2017</a:t>
             </a:fld>
             <a:endParaRPr lang="en-US" altLang="en-US"/>
           </a:p>
@@ -25404,7 +25495,7 @@
     </p:spTree>
     <p:extLst>
       <p:ext uri="{BB962C8B-B14F-4D97-AF65-F5344CB8AC3E}">
-        <p14:creationId xmlns="" xmlns:p14="http://schemas.microsoft.com/office/powerpoint/2010/main" val="1943259863"/>
+        <p14:creationId xmlns:p14="http://schemas.microsoft.com/office/powerpoint/2010/main" xmlns="" val="1943259863"/>
       </p:ext>
     </p:extLst>
   </p:cSld>
@@ -25423,7 +25514,7 @@
     <p:sldLayoutId id="2147483659" r:id="rId11"/>
   </p:sldLayoutIdLst>
   <mc:AlternateContent xmlns:mc="http://schemas.openxmlformats.org/markup-compatibility/2006">
-    <mc:Choice xmlns="" xmlns:p14="http://schemas.microsoft.com/office/powerpoint/2010/main" Requires="p14">
+    <mc:Choice xmlns:p14="http://schemas.microsoft.com/office/powerpoint/2010/main" xmlns="" Requires="p14">
       <p:transition spd="med" p14:dur="700">
         <p:fade/>
       </p:transition>
@@ -25753,7 +25844,7 @@
   </p:txStyles>
   <p:extLst mod="1">
     <p:ext uri="{27BBF7A9-308A-43DC-89C8-2F10F3537804}">
-      <p15:sldGuideLst xmlns="" xmlns:p15="http://schemas.microsoft.com/office/powerpoint/2012/main">
+      <p15:sldGuideLst xmlns:p15="http://schemas.microsoft.com/office/powerpoint/2012/main" xmlns="">
         <p15:guide id="1" orient="horz" pos="2160" userDrawn="1">
           <p15:clr>
             <a:srgbClr val="F26B43"/>
@@ -25897,7 +25988,7 @@
     </p:spTree>
     <p:extLst>
       <p:ext uri="{BB962C8B-B14F-4D97-AF65-F5344CB8AC3E}">
-        <p14:creationId xmlns="" xmlns:p14="http://schemas.microsoft.com/office/powerpoint/2010/main" val="106904919"/>
+        <p14:creationId xmlns:p14="http://schemas.microsoft.com/office/powerpoint/2010/main" xmlns="" val="106904919"/>
       </p:ext>
     </p:extLst>
   </p:cSld>
@@ -25905,7 +25996,7 @@
     <a:masterClrMapping/>
   </p:clrMapOvr>
   <mc:AlternateContent xmlns:mc="http://schemas.openxmlformats.org/markup-compatibility/2006">
-    <mc:Choice xmlns="" xmlns:p14="http://schemas.microsoft.com/office/powerpoint/2010/main" Requires="p14">
+    <mc:Choice xmlns:p14="http://schemas.microsoft.com/office/powerpoint/2010/main" xmlns="" Requires="p14">
       <p:transition spd="med" p14:dur="700">
         <p:fade/>
       </p:transition>
@@ -26003,7 +26094,7 @@
     </p:spTree>
     <p:extLst>
       <p:ext uri="{BB962C8B-B14F-4D97-AF65-F5344CB8AC3E}">
-        <p14:creationId xmlns="" xmlns:p14="http://schemas.microsoft.com/office/powerpoint/2010/main" val="4101607575"/>
+        <p14:creationId xmlns:p14="http://schemas.microsoft.com/office/powerpoint/2010/main" xmlns="" val="4101607575"/>
       </p:ext>
     </p:extLst>
   </p:cSld>
@@ -26011,7 +26102,7 @@
     <a:masterClrMapping/>
   </p:clrMapOvr>
   <mc:AlternateContent xmlns:mc="http://schemas.openxmlformats.org/markup-compatibility/2006">
-    <mc:Choice xmlns="" xmlns:p14="http://schemas.microsoft.com/office/powerpoint/2010/main" Requires="p14">
+    <mc:Choice xmlns:p14="http://schemas.microsoft.com/office/powerpoint/2010/main" xmlns="" Requires="p14">
       <p:transition spd="med" p14:dur="700">
         <p:fade/>
       </p:transition>
@@ -26095,7 +26186,7 @@
     </p:spTree>
     <p:extLst>
       <p:ext uri="{BB962C8B-B14F-4D97-AF65-F5344CB8AC3E}">
-        <p14:creationId xmlns="" xmlns:p14="http://schemas.microsoft.com/office/powerpoint/2010/main" val="2794409471"/>
+        <p14:creationId xmlns:p14="http://schemas.microsoft.com/office/powerpoint/2010/main" xmlns="" val="2794409471"/>
       </p:ext>
     </p:extLst>
   </p:cSld>
@@ -26103,7 +26194,7 @@
     <a:masterClrMapping/>
   </p:clrMapOvr>
   <mc:AlternateContent xmlns:mc="http://schemas.openxmlformats.org/markup-compatibility/2006">
-    <mc:Choice xmlns="" xmlns:p14="http://schemas.microsoft.com/office/powerpoint/2010/main" Requires="p14">
+    <mc:Choice xmlns:p14="http://schemas.microsoft.com/office/powerpoint/2010/main" xmlns="" Requires="p14">
       <p:transition spd="med" p14:dur="700">
         <p:fade/>
       </p:transition>
@@ -26403,7 +26494,7 @@
     </p:spTree>
     <p:extLst>
       <p:ext uri="{BB962C8B-B14F-4D97-AF65-F5344CB8AC3E}">
-        <p14:creationId xmlns="" xmlns:p14="http://schemas.microsoft.com/office/powerpoint/2010/main" val="3984617762"/>
+        <p14:creationId xmlns:p14="http://schemas.microsoft.com/office/powerpoint/2010/main" xmlns="" val="3984617762"/>
       </p:ext>
     </p:extLst>
   </p:cSld>
@@ -26411,7 +26502,7 @@
     <a:masterClrMapping/>
   </p:clrMapOvr>
   <mc:AlternateContent xmlns:mc="http://schemas.openxmlformats.org/markup-compatibility/2006">
-    <mc:Choice xmlns="" xmlns:p14="http://schemas.microsoft.com/office/powerpoint/2010/main" Requires="p14">
+    <mc:Choice xmlns:p14="http://schemas.microsoft.com/office/powerpoint/2010/main" xmlns="" Requires="p14">
       <p:transition spd="med" p14:dur="700">
         <p:fade/>
       </p:transition>
@@ -26490,11 +26581,7 @@
           <a:p>
             <a:r>
               <a:rPr lang="zh-TW" altLang="en-US" dirty="0" smtClean="0"/>
-              <a:t>專案</a:t>
-            </a:r>
-            <a:r>
-              <a:rPr lang="zh-TW" altLang="en-US" dirty="0" smtClean="0"/>
-              <a:t>主題</a:t>
+              <a:t>專案主題</a:t>
             </a:r>
             <a:endParaRPr lang="zh-TW" dirty="0"/>
           </a:p>
@@ -26566,7 +26653,7 @@
     </p:spTree>
     <p:extLst>
       <p:ext uri="{BB962C8B-B14F-4D97-AF65-F5344CB8AC3E}">
-        <p14:creationId xmlns="" xmlns:p14="http://schemas.microsoft.com/office/powerpoint/2010/main" val="3984617762"/>
+        <p14:creationId xmlns:p14="http://schemas.microsoft.com/office/powerpoint/2010/main" xmlns="" val="3984617762"/>
       </p:ext>
     </p:extLst>
   </p:cSld>
@@ -26574,7 +26661,7 @@
     <a:masterClrMapping/>
   </p:clrMapOvr>
   <mc:AlternateContent xmlns:mc="http://schemas.openxmlformats.org/markup-compatibility/2006">
-    <mc:Choice xmlns="" xmlns:p14="http://schemas.microsoft.com/office/powerpoint/2010/main" Requires="p14">
+    <mc:Choice xmlns:p14="http://schemas.microsoft.com/office/powerpoint/2010/main" xmlns="" Requires="p14">
       <p:transition spd="med" p14:dur="700">
         <p:fade/>
       </p:transition>
@@ -26732,7 +26819,7 @@
     </p:spTree>
     <p:extLst>
       <p:ext uri="{BB962C8B-B14F-4D97-AF65-F5344CB8AC3E}">
-        <p14:creationId xmlns="" xmlns:p14="http://schemas.microsoft.com/office/powerpoint/2010/main" val="1476019738"/>
+        <p14:creationId xmlns:p14="http://schemas.microsoft.com/office/powerpoint/2010/main" xmlns="" val="1476019738"/>
       </p:ext>
     </p:extLst>
   </p:cSld>
@@ -26740,7 +26827,7 @@
     <a:masterClrMapping/>
   </p:clrMapOvr>
   <mc:AlternateContent xmlns:mc="http://schemas.openxmlformats.org/markup-compatibility/2006">
-    <mc:Choice xmlns="" xmlns:p14="http://schemas.microsoft.com/office/powerpoint/2010/main" Requires="p14">
+    <mc:Choice xmlns:p14="http://schemas.microsoft.com/office/powerpoint/2010/main" xmlns="" Requires="p14">
       <p:transition spd="med" p14:dur="700">
         <p:fade/>
       </p:transition>
@@ -26796,8 +26883,8 @@
         </p:nvSpPr>
         <p:spPr>
           <a:xfrm>
-            <a:off x="4232683" y="2463502"/>
-            <a:ext cx="3808529" cy="1027845"/>
+            <a:off x="3626627" y="2474134"/>
+            <a:ext cx="5028275" cy="1027845"/>
           </a:xfrm>
           <a:prstGeom prst="rect">
             <a:avLst/>
@@ -26805,7 +26892,7 @@
         </p:spPr>
         <p:txBody>
           <a:bodyPr vert="horz" lIns="91440" tIns="45720" rIns="91440" bIns="45720" rtlCol="0" anchor="b">
-            <a:normAutofit/>
+            <a:normAutofit fontScale="77500" lnSpcReduction="20000"/>
           </a:bodyPr>
           <a:lstStyle/>
           <a:p>
@@ -26818,12 +26905,28 @@
               </a:spcBef>
             </a:pPr>
             <a:r>
-              <a:rPr lang="en-US" altLang="zh-TW" sz="6000" dirty="0" smtClean="0">
+              <a:rPr lang="zh-TW" altLang="en-US" sz="6000" noProof="0" dirty="0" smtClean="0">
                 <a:solidFill>
                   <a:schemeClr val="bg1"/>
                 </a:solidFill>
               </a:rPr>
-              <a:t>DEMO</a:t>
+              <a:t>動物</a:t>
+            </a:r>
+            <a:r>
+              <a:rPr lang="en-US" altLang="zh-TW" sz="6000" noProof="0" dirty="0" smtClean="0">
+                <a:solidFill>
+                  <a:schemeClr val="bg1"/>
+                </a:solidFill>
+              </a:rPr>
+              <a:t>FOUND</a:t>
+            </a:r>
+            <a:r>
+              <a:rPr lang="zh-TW" altLang="en-US" sz="6000" noProof="0" dirty="0" smtClean="0">
+                <a:solidFill>
+                  <a:schemeClr val="bg1"/>
+                </a:solidFill>
+              </a:rPr>
+              <a:t>城市</a:t>
             </a:r>
             <a:endParaRPr kumimoji="0" lang="zh-TW" sz="6000" b="1" i="0" u="none" strike="noStrike" kern="1200" cap="none" spc="0" normalizeH="0" baseline="0" noProof="0" dirty="0">
               <a:ln>
@@ -26845,7 +26948,7 @@
     </p:spTree>
     <p:extLst>
       <p:ext uri="{BB962C8B-B14F-4D97-AF65-F5344CB8AC3E}">
-        <p14:creationId xmlns="" xmlns:p14="http://schemas.microsoft.com/office/powerpoint/2010/main" val="1544302913"/>
+        <p14:creationId xmlns:p14="http://schemas.microsoft.com/office/powerpoint/2010/main" xmlns="" val="1544302913"/>
       </p:ext>
     </p:extLst>
   </p:cSld>
@@ -26853,7 +26956,7 @@
     <a:masterClrMapping/>
   </p:clrMapOvr>
   <mc:AlternateContent xmlns:mc="http://schemas.openxmlformats.org/markup-compatibility/2006">
-    <mc:Choice xmlns="" xmlns:p14="http://schemas.microsoft.com/office/powerpoint/2010/main" Requires="p14">
+    <mc:Choice xmlns:p14="http://schemas.microsoft.com/office/powerpoint/2010/main" xmlns="" Requires="p14">
       <p:transition spd="med" p14:dur="700">
         <p:fade/>
       </p:transition>
@@ -26951,7 +27054,7 @@
             <p:ph sz="half" idx="2"/>
             <p:extLst>
               <p:ext uri="{D42A27DB-BD31-4B8C-83A1-F6EECF244321}">
-                <p14:modId xmlns="" xmlns:p14="http://schemas.microsoft.com/office/powerpoint/2010/main" val="2194559350"/>
+                <p14:modId xmlns:p14="http://schemas.microsoft.com/office/powerpoint/2010/main" xmlns="" val="2194559350"/>
               </p:ext>
             </p:extLst>
           </p:nvPr>
@@ -27183,7 +27286,7 @@
     </p:spTree>
     <p:extLst>
       <p:ext uri="{BB962C8B-B14F-4D97-AF65-F5344CB8AC3E}">
-        <p14:creationId xmlns="" xmlns:p14="http://schemas.microsoft.com/office/powerpoint/2010/main" val="2475092730"/>
+        <p14:creationId xmlns:p14="http://schemas.microsoft.com/office/powerpoint/2010/main" xmlns="" val="2475092730"/>
       </p:ext>
     </p:extLst>
   </p:cSld>
@@ -27191,7 +27294,7 @@
     <a:masterClrMapping/>
   </p:clrMapOvr>
   <mc:AlternateContent xmlns:mc="http://schemas.openxmlformats.org/markup-compatibility/2006">
-    <mc:Choice xmlns="" xmlns:p14="http://schemas.microsoft.com/office/powerpoint/2010/main" Requires="p14">
+    <mc:Choice xmlns:p14="http://schemas.microsoft.com/office/powerpoint/2010/main" xmlns="" Requires="p14">
       <p:transition spd="med" p14:dur="700">
         <p:fade/>
       </p:transition>
@@ -27254,7 +27357,7 @@
             <p:ph idx="1"/>
             <p:extLst>
               <p:ext uri="{D42A27DB-BD31-4B8C-83A1-F6EECF244321}">
-                <p14:modId xmlns="" xmlns:p14="http://schemas.microsoft.com/office/powerpoint/2010/main" val="561550370"/>
+                <p14:modId xmlns:p14="http://schemas.microsoft.com/office/powerpoint/2010/main" xmlns="" val="561550370"/>
               </p:ext>
             </p:extLst>
           </p:nvPr>
@@ -27272,7 +27375,7 @@
     </p:spTree>
     <p:extLst>
       <p:ext uri="{BB962C8B-B14F-4D97-AF65-F5344CB8AC3E}">
-        <p14:creationId xmlns="" xmlns:p14="http://schemas.microsoft.com/office/powerpoint/2010/main" val="2761515851"/>
+        <p14:creationId xmlns:p14="http://schemas.microsoft.com/office/powerpoint/2010/main" xmlns="" val="2761515851"/>
       </p:ext>
     </p:extLst>
   </p:cSld>
@@ -27280,7 +27383,7 @@
     <a:masterClrMapping/>
   </p:clrMapOvr>
   <mc:AlternateContent xmlns:mc="http://schemas.openxmlformats.org/markup-compatibility/2006">
-    <mc:Choice xmlns="" xmlns:p14="http://schemas.microsoft.com/office/powerpoint/2010/main" Requires="p14">
+    <mc:Choice xmlns:p14="http://schemas.microsoft.com/office/powerpoint/2010/main" xmlns="" Requires="p14">
       <p:transition spd="med" p14:dur="700">
         <p:fade/>
       </p:transition>
@@ -27409,7 +27512,7 @@
     </p:spTree>
     <p:extLst>
       <p:ext uri="{BB962C8B-B14F-4D97-AF65-F5344CB8AC3E}">
-        <p14:creationId xmlns="" xmlns:p14="http://schemas.microsoft.com/office/powerpoint/2010/main" val="3229171051"/>
+        <p14:creationId xmlns:p14="http://schemas.microsoft.com/office/powerpoint/2010/main" xmlns="" val="3229171051"/>
       </p:ext>
     </p:extLst>
   </p:cSld>
@@ -27417,7 +27520,7 @@
     <a:masterClrMapping/>
   </p:clrMapOvr>
   <mc:AlternateContent xmlns:mc="http://schemas.openxmlformats.org/markup-compatibility/2006">
-    <mc:Choice xmlns="" xmlns:p14="http://schemas.microsoft.com/office/powerpoint/2010/main" Requires="p14">
+    <mc:Choice xmlns:p14="http://schemas.microsoft.com/office/powerpoint/2010/main" xmlns="" Requires="p14">
       <p:transition spd="med" p14:dur="700">
         <p:fade/>
       </p:transition>
@@ -27470,7 +27573,7 @@
     </p:spTree>
     <p:extLst>
       <p:ext uri="{BB962C8B-B14F-4D97-AF65-F5344CB8AC3E}">
-        <p14:creationId xmlns="" xmlns:p14="http://schemas.microsoft.com/office/powerpoint/2010/main" val="452733939"/>
+        <p14:creationId xmlns:p14="http://schemas.microsoft.com/office/powerpoint/2010/main" xmlns="" val="452733939"/>
       </p:ext>
     </p:extLst>
   </p:cSld>
@@ -27478,7 +27581,7 @@
     <a:masterClrMapping/>
   </p:clrMapOvr>
   <mc:AlternateContent xmlns:mc="http://schemas.openxmlformats.org/markup-compatibility/2006">
-    <mc:Choice xmlns="" xmlns:p14="http://schemas.microsoft.com/office/powerpoint/2010/main" Requires="p14">
+    <mc:Choice xmlns:p14="http://schemas.microsoft.com/office/powerpoint/2010/main" xmlns="" Requires="p14">
       <p:transition spd="med" p14:dur="700">
         <p:fade/>
       </p:transition>
@@ -27747,7 +27850,7 @@
   <a:extraClrSchemeLst/>
   <a:extLst>
     <a:ext uri="{05A4C25C-085E-4340-85A3-A5531E510DB2}">
-      <thm15:themeFamily xmlns="" xmlns:thm15="http://schemas.microsoft.com/office/thememl/2012/main" name="O15_4109default" id="{E728D685-11FC-4812-BA85-57AC6F9C9F40}" vid="{BC4E008B-95FF-4815-904E-143A8EDFC1D4}"/>
+      <thm15:themeFamily xmlns:thm15="http://schemas.microsoft.com/office/thememl/2012/main" xmlns="" name="O15_4109default" id="{E728D685-11FC-4812-BA85-57AC6F9C9F40}" vid="{BC4E008B-95FF-4815-904E-143A8EDFC1D4}"/>
     </a:ext>
   </a:extLst>
 </a:theme>
@@ -28260,6 +28363,143 @@
 </file>
 
 <file path=customXml/item1.xml><?xml version="1.0" encoding="utf-8"?>
+<p:properties xmlns:p="http://schemas.microsoft.com/office/2006/metadata/properties" xmlns:xsi="http://www.w3.org/2001/XMLSchema-instance" xmlns:pc="http://schemas.microsoft.com/office/infopath/2007/PartnerControls">
+  <documentManagement>
+    <APDescription xmlns="c66daf58-3c46-4c48-8560-c485e881f7f9" xsi:nil="true"/>
+    <AssetExpire xmlns="c66daf58-3c46-4c48-8560-c485e881f7f9">2029-01-01T08:00:00+00:00</AssetExpire>
+    <CampaignTagsTaxHTField0 xmlns="c66daf58-3c46-4c48-8560-c485e881f7f9">
+      <Terms xmlns="http://schemas.microsoft.com/office/infopath/2007/PartnerControls"/>
+    </CampaignTagsTaxHTField0>
+    <IntlLangReviewDate xmlns="c66daf58-3c46-4c48-8560-c485e881f7f9" xsi:nil="true"/>
+    <TPFriendlyName xmlns="c66daf58-3c46-4c48-8560-c485e881f7f9" xsi:nil="true"/>
+    <IntlLangReview xmlns="c66daf58-3c46-4c48-8560-c485e881f7f9">false</IntlLangReview>
+    <LocLastLocAttemptVersionLookup xmlns="c66daf58-3c46-4c48-8560-c485e881f7f9">847684</LocLastLocAttemptVersionLookup>
+    <PolicheckWords xmlns="c66daf58-3c46-4c48-8560-c485e881f7f9" xsi:nil="true"/>
+    <SubmitterId xmlns="c66daf58-3c46-4c48-8560-c485e881f7f9" xsi:nil="true"/>
+    <AcquiredFrom xmlns="c66daf58-3c46-4c48-8560-c485e881f7f9">Internal MS</AcquiredFrom>
+    <EditorialStatus xmlns="c66daf58-3c46-4c48-8560-c485e881f7f9">Complete</EditorialStatus>
+    <Markets xmlns="c66daf58-3c46-4c48-8560-c485e881f7f9"/>
+    <OriginAsset xmlns="c66daf58-3c46-4c48-8560-c485e881f7f9" xsi:nil="true"/>
+    <AssetStart xmlns="c66daf58-3c46-4c48-8560-c485e881f7f9">2012-07-18T04:03:00+00:00</AssetStart>
+    <FriendlyTitle xmlns="c66daf58-3c46-4c48-8560-c485e881f7f9" xsi:nil="true"/>
+    <MarketSpecific xmlns="c66daf58-3c46-4c48-8560-c485e881f7f9">false</MarketSpecific>
+    <TPNamespace xmlns="c66daf58-3c46-4c48-8560-c485e881f7f9" xsi:nil="true"/>
+    <PublishStatusLookup xmlns="c66daf58-3c46-4c48-8560-c485e881f7f9">
+      <Value>480358</Value>
+    </PublishStatusLookup>
+    <APAuthor xmlns="c66daf58-3c46-4c48-8560-c485e881f7f9">
+      <UserInfo>
+        <DisplayName>REDMOND\kristaa</DisplayName>
+        <AccountId>136</AccountId>
+        <AccountType/>
+      </UserInfo>
+    </APAuthor>
+    <TPCommandLine xmlns="c66daf58-3c46-4c48-8560-c485e881f7f9" xsi:nil="true"/>
+    <IntlLangReviewer xmlns="c66daf58-3c46-4c48-8560-c485e881f7f9" xsi:nil="true"/>
+    <OpenTemplate xmlns="c66daf58-3c46-4c48-8560-c485e881f7f9">true</OpenTemplate>
+    <CSXSubmissionDate xmlns="c66daf58-3c46-4c48-8560-c485e881f7f9" xsi:nil="true"/>
+    <TaxCatchAll xmlns="c66daf58-3c46-4c48-8560-c485e881f7f9"/>
+    <Manager xmlns="c66daf58-3c46-4c48-8560-c485e881f7f9" xsi:nil="true"/>
+    <NumericId xmlns="c66daf58-3c46-4c48-8560-c485e881f7f9" xsi:nil="true"/>
+    <ParentAssetId xmlns="c66daf58-3c46-4c48-8560-c485e881f7f9" xsi:nil="true"/>
+    <OriginalSourceMarket xmlns="c66daf58-3c46-4c48-8560-c485e881f7f9">english</OriginalSourceMarket>
+    <ApprovalStatus xmlns="c66daf58-3c46-4c48-8560-c485e881f7f9">InProgress</ApprovalStatus>
+    <TPComponent xmlns="c66daf58-3c46-4c48-8560-c485e881f7f9" xsi:nil="true"/>
+    <EditorialTags xmlns="c66daf58-3c46-4c48-8560-c485e881f7f9" xsi:nil="true"/>
+    <TPExecutable xmlns="c66daf58-3c46-4c48-8560-c485e881f7f9" xsi:nil="true"/>
+    <TPLaunchHelpLink xmlns="c66daf58-3c46-4c48-8560-c485e881f7f9" xsi:nil="true"/>
+    <LocComments xmlns="c66daf58-3c46-4c48-8560-c485e881f7f9" xsi:nil="true"/>
+    <LocRecommendedHandoff xmlns="c66daf58-3c46-4c48-8560-c485e881f7f9" xsi:nil="true"/>
+    <SourceTitle xmlns="c66daf58-3c46-4c48-8560-c485e881f7f9" xsi:nil="true"/>
+    <CSXUpdate xmlns="c66daf58-3c46-4c48-8560-c485e881f7f9">false</CSXUpdate>
+    <IntlLocPriority xmlns="c66daf58-3c46-4c48-8560-c485e881f7f9" xsi:nil="true"/>
+    <UAProjectedTotalWords xmlns="c66daf58-3c46-4c48-8560-c485e881f7f9" xsi:nil="true"/>
+    <AssetType xmlns="c66daf58-3c46-4c48-8560-c485e881f7f9">TP</AssetType>
+    <MachineTranslated xmlns="c66daf58-3c46-4c48-8560-c485e881f7f9">false</MachineTranslated>
+    <OutputCachingOn xmlns="c66daf58-3c46-4c48-8560-c485e881f7f9">false</OutputCachingOn>
+    <TemplateStatus xmlns="c66daf58-3c46-4c48-8560-c485e881f7f9">Complete</TemplateStatus>
+    <IsSearchable xmlns="c66daf58-3c46-4c48-8560-c485e881f7f9">true</IsSearchable>
+    <ContentItem xmlns="c66daf58-3c46-4c48-8560-c485e881f7f9" xsi:nil="true"/>
+    <HandoffToMSDN xmlns="c66daf58-3c46-4c48-8560-c485e881f7f9" xsi:nil="true"/>
+    <ShowIn xmlns="c66daf58-3c46-4c48-8560-c485e881f7f9">Show everywhere</ShowIn>
+    <ThumbnailAssetId xmlns="c66daf58-3c46-4c48-8560-c485e881f7f9" xsi:nil="true"/>
+    <UALocComments xmlns="c66daf58-3c46-4c48-8560-c485e881f7f9" xsi:nil="true"/>
+    <UALocRecommendation xmlns="c66daf58-3c46-4c48-8560-c485e881f7f9">Localize</UALocRecommendation>
+    <LastModifiedDateTime xmlns="c66daf58-3c46-4c48-8560-c485e881f7f9" xsi:nil="true"/>
+    <LegacyData xmlns="c66daf58-3c46-4c48-8560-c485e881f7f9" xsi:nil="true"/>
+    <LocManualTestRequired xmlns="c66daf58-3c46-4c48-8560-c485e881f7f9">false</LocManualTestRequired>
+    <LocMarketGroupTiers2 xmlns="c66daf58-3c46-4c48-8560-c485e881f7f9" xsi:nil="true"/>
+    <ClipArtFilename xmlns="c66daf58-3c46-4c48-8560-c485e881f7f9" xsi:nil="true"/>
+    <TPApplication xmlns="c66daf58-3c46-4c48-8560-c485e881f7f9" xsi:nil="true"/>
+    <CSXHash xmlns="c66daf58-3c46-4c48-8560-c485e881f7f9" xsi:nil="true"/>
+    <DirectSourceMarket xmlns="c66daf58-3c46-4c48-8560-c485e881f7f9">english</DirectSourceMarket>
+    <PrimaryImageGen xmlns="c66daf58-3c46-4c48-8560-c485e881f7f9">true</PrimaryImageGen>
+    <PlannedPubDate xmlns="c66daf58-3c46-4c48-8560-c485e881f7f9" xsi:nil="true"/>
+    <CSXSubmissionMarket xmlns="c66daf58-3c46-4c48-8560-c485e881f7f9" xsi:nil="true"/>
+    <Downloads xmlns="c66daf58-3c46-4c48-8560-c485e881f7f9">0</Downloads>
+    <ArtSampleDocs xmlns="c66daf58-3c46-4c48-8560-c485e881f7f9" xsi:nil="true"/>
+    <TrustLevel xmlns="c66daf58-3c46-4c48-8560-c485e881f7f9">1 Microsoft Managed Content</TrustLevel>
+    <BlockPublish xmlns="c66daf58-3c46-4c48-8560-c485e881f7f9">false</BlockPublish>
+    <TPLaunchHelpLinkType xmlns="c66daf58-3c46-4c48-8560-c485e881f7f9">Template</TPLaunchHelpLinkType>
+    <LocalizationTagsTaxHTField0 xmlns="c66daf58-3c46-4c48-8560-c485e881f7f9">
+      <Terms xmlns="http://schemas.microsoft.com/office/infopath/2007/PartnerControls"/>
+    </LocalizationTagsTaxHTField0>
+    <BusinessGroup xmlns="c66daf58-3c46-4c48-8560-c485e881f7f9" xsi:nil="true"/>
+    <Providers xmlns="c66daf58-3c46-4c48-8560-c485e881f7f9" xsi:nil="true"/>
+    <TemplateTemplateType xmlns="c66daf58-3c46-4c48-8560-c485e881f7f9">PowerPoint Presentation Template</TemplateTemplateType>
+    <TimesCloned xmlns="c66daf58-3c46-4c48-8560-c485e881f7f9" xsi:nil="true"/>
+    <TPAppVersion xmlns="c66daf58-3c46-4c48-8560-c485e881f7f9" xsi:nil="true"/>
+    <VoteCount xmlns="c66daf58-3c46-4c48-8560-c485e881f7f9" xsi:nil="true"/>
+    <AverageRating xmlns="c66daf58-3c46-4c48-8560-c485e881f7f9" xsi:nil="true"/>
+    <FeatureTagsTaxHTField0 xmlns="c66daf58-3c46-4c48-8560-c485e881f7f9">
+      <Terms xmlns="http://schemas.microsoft.com/office/infopath/2007/PartnerControls"/>
+    </FeatureTagsTaxHTField0>
+    <Provider xmlns="c66daf58-3c46-4c48-8560-c485e881f7f9" xsi:nil="true"/>
+    <UACurrentWords xmlns="c66daf58-3c46-4c48-8560-c485e881f7f9" xsi:nil="true"/>
+    <AssetId xmlns="c66daf58-3c46-4c48-8560-c485e881f7f9">TP103031012</AssetId>
+    <TPClientViewer xmlns="c66daf58-3c46-4c48-8560-c485e881f7f9" xsi:nil="true"/>
+    <DSATActionTaken xmlns="c66daf58-3c46-4c48-8560-c485e881f7f9" xsi:nil="true"/>
+    <APEditor xmlns="c66daf58-3c46-4c48-8560-c485e881f7f9">
+      <UserInfo>
+        <DisplayName/>
+        <AccountId xsi:nil="true"/>
+        <AccountType/>
+      </UserInfo>
+    </APEditor>
+    <TPInstallLocation xmlns="c66daf58-3c46-4c48-8560-c485e881f7f9" xsi:nil="true"/>
+    <OOCacheId xmlns="c66daf58-3c46-4c48-8560-c485e881f7f9" xsi:nil="true"/>
+    <IsDeleted xmlns="c66daf58-3c46-4c48-8560-c485e881f7f9">false</IsDeleted>
+    <PublishTargets xmlns="c66daf58-3c46-4c48-8560-c485e881f7f9">OfficeOnlineVNext</PublishTargets>
+    <ApprovalLog xmlns="c66daf58-3c46-4c48-8560-c485e881f7f9" xsi:nil="true"/>
+    <BugNumber xmlns="c66daf58-3c46-4c48-8560-c485e881f7f9" xsi:nil="true"/>
+    <CrawlForDependencies xmlns="c66daf58-3c46-4c48-8560-c485e881f7f9">false</CrawlForDependencies>
+    <InternalTagsTaxHTField0 xmlns="c66daf58-3c46-4c48-8560-c485e881f7f9">
+      <Terms xmlns="http://schemas.microsoft.com/office/infopath/2007/PartnerControls"/>
+    </InternalTagsTaxHTField0>
+    <LastHandOff xmlns="c66daf58-3c46-4c48-8560-c485e881f7f9" xsi:nil="true"/>
+    <Milestone xmlns="c66daf58-3c46-4c48-8560-c485e881f7f9" xsi:nil="true"/>
+    <OriginalRelease xmlns="c66daf58-3c46-4c48-8560-c485e881f7f9">15</OriginalRelease>
+    <RecommendationsModifier xmlns="c66daf58-3c46-4c48-8560-c485e881f7f9" xsi:nil="true"/>
+    <ScenarioTagsTaxHTField0 xmlns="c66daf58-3c46-4c48-8560-c485e881f7f9">
+      <Terms xmlns="http://schemas.microsoft.com/office/infopath/2007/PartnerControls"/>
+    </ScenarioTagsTaxHTField0>
+    <UANotes xmlns="c66daf58-3c46-4c48-8560-c485e881f7f9" xsi:nil="true"/>
+    <Component xmlns="8e8ea6d1-e150-4704-b47c-0a92d6aed386" xsi:nil="true"/>
+    <Description0 xmlns="8e8ea6d1-e150-4704-b47c-0a92d6aed386" xsi:nil="true"/>
+  </documentManagement>
+</p:properties>
+</file>
+
+<file path=customXml/item2.xml><?xml version="1.0" encoding="utf-8"?>
+<?mso-contentType ?>
+<FormTemplates xmlns="http://schemas.microsoft.com/sharepoint/v3/contenttype/forms">
+  <Display>DocumentLibraryForm</Display>
+  <Edit>AssetEditForm</Edit>
+  <New>DocumentLibraryForm</New>
+</FormTemplates>
+</file>
+
+<file path=customXml/item3.xml><?xml version="1.0" encoding="utf-8"?>
 <ct:contentTypeSchema xmlns:ct="http://schemas.microsoft.com/office/2006/metadata/contentType" xmlns:ma="http://schemas.microsoft.com/office/2006/metadata/properties/metaAttributes" ct:_="" ma:_="" ma:contentTypeName="TemplateFile" ma:contentTypeID="0x0101009D4095AFEE790E42B52CF3AD35B999BF040086E71550AC00CE488731BAE03648ABFB" ma:contentTypeVersion="69" ma:contentTypeDescription="Create a new document." ma:contentTypeScope="" ma:versionID="19c8e0d4ec850202fc84bb6df7d27d5a">
   <xsd:schema xmlns:xsd="http://www.w3.org/2001/XMLSchema" xmlns:xs="http://www.w3.org/2001/XMLSchema" xmlns:p="http://schemas.microsoft.com/office/2006/metadata/properties" xmlns:ns2="c66daf58-3c46-4c48-8560-c485e881f7f9" xmlns:ns3="8e8ea6d1-e150-4704-b47c-0a92d6aed386" targetNamespace="http://schemas.microsoft.com/office/2006/metadata/properties" ma:root="true" ma:fieldsID="61474f05e94678c8e4bfc6326c72eb04" ns2:_="" ns3:_="">
     <xsd:import namespace="c66daf58-3c46-4c48-8560-c485e881f7f9"/>
@@ -29318,144 +29558,26 @@
 </ct:contentTypeSchema>
 </file>
 
-<file path=customXml/item2.xml><?xml version="1.0" encoding="utf-8"?>
-<?mso-contentType ?>
-<FormTemplates xmlns="http://schemas.microsoft.com/sharepoint/v3/contenttype/forms">
-  <Display>DocumentLibraryForm</Display>
-  <Edit>AssetEditForm</Edit>
-  <New>DocumentLibraryForm</New>
-</FormTemplates>
+<file path=customXml/itemProps1.xml><?xml version="1.0" encoding="utf-8"?>
+<ds:datastoreItem xmlns:ds="http://schemas.openxmlformats.org/officeDocument/2006/customXml" ds:itemID="{5B928D1E-68BA-412E-B34A-7160A7263FC7}">
+  <ds:schemaRefs>
+    <ds:schemaRef ds:uri="http://schemas.microsoft.com/office/2006/metadata/properties"/>
+    <ds:schemaRef ds:uri="http://schemas.microsoft.com/office/infopath/2007/PartnerControls"/>
+    <ds:schemaRef ds:uri="c66daf58-3c46-4c48-8560-c485e881f7f9"/>
+    <ds:schemaRef ds:uri="8e8ea6d1-e150-4704-b47c-0a92d6aed386"/>
+  </ds:schemaRefs>
+</ds:datastoreItem>
 </file>
 
-<file path=customXml/item3.xml><?xml version="1.0" encoding="utf-8"?>
-<p:properties xmlns:p="http://schemas.microsoft.com/office/2006/metadata/properties" xmlns:xsi="http://www.w3.org/2001/XMLSchema-instance" xmlns:pc="http://schemas.microsoft.com/office/infopath/2007/PartnerControls">
-  <documentManagement>
-    <APDescription xmlns="c66daf58-3c46-4c48-8560-c485e881f7f9" xsi:nil="true"/>
-    <AssetExpire xmlns="c66daf58-3c46-4c48-8560-c485e881f7f9">2029-01-01T08:00:00+00:00</AssetExpire>
-    <CampaignTagsTaxHTField0 xmlns="c66daf58-3c46-4c48-8560-c485e881f7f9">
-      <Terms xmlns="http://schemas.microsoft.com/office/infopath/2007/PartnerControls"/>
-    </CampaignTagsTaxHTField0>
-    <IntlLangReviewDate xmlns="c66daf58-3c46-4c48-8560-c485e881f7f9" xsi:nil="true"/>
-    <TPFriendlyName xmlns="c66daf58-3c46-4c48-8560-c485e881f7f9" xsi:nil="true"/>
-    <IntlLangReview xmlns="c66daf58-3c46-4c48-8560-c485e881f7f9">false</IntlLangReview>
-    <LocLastLocAttemptVersionLookup xmlns="c66daf58-3c46-4c48-8560-c485e881f7f9">847684</LocLastLocAttemptVersionLookup>
-    <PolicheckWords xmlns="c66daf58-3c46-4c48-8560-c485e881f7f9" xsi:nil="true"/>
-    <SubmitterId xmlns="c66daf58-3c46-4c48-8560-c485e881f7f9" xsi:nil="true"/>
-    <AcquiredFrom xmlns="c66daf58-3c46-4c48-8560-c485e881f7f9">Internal MS</AcquiredFrom>
-    <EditorialStatus xmlns="c66daf58-3c46-4c48-8560-c485e881f7f9">Complete</EditorialStatus>
-    <Markets xmlns="c66daf58-3c46-4c48-8560-c485e881f7f9"/>
-    <OriginAsset xmlns="c66daf58-3c46-4c48-8560-c485e881f7f9" xsi:nil="true"/>
-    <AssetStart xmlns="c66daf58-3c46-4c48-8560-c485e881f7f9">2012-07-18T04:03:00+00:00</AssetStart>
-    <FriendlyTitle xmlns="c66daf58-3c46-4c48-8560-c485e881f7f9" xsi:nil="true"/>
-    <MarketSpecific xmlns="c66daf58-3c46-4c48-8560-c485e881f7f9">false</MarketSpecific>
-    <TPNamespace xmlns="c66daf58-3c46-4c48-8560-c485e881f7f9" xsi:nil="true"/>
-    <PublishStatusLookup xmlns="c66daf58-3c46-4c48-8560-c485e881f7f9">
-      <Value>480358</Value>
-    </PublishStatusLookup>
-    <APAuthor xmlns="c66daf58-3c46-4c48-8560-c485e881f7f9">
-      <UserInfo>
-        <DisplayName>REDMOND\kristaa</DisplayName>
-        <AccountId>136</AccountId>
-        <AccountType/>
-      </UserInfo>
-    </APAuthor>
-    <TPCommandLine xmlns="c66daf58-3c46-4c48-8560-c485e881f7f9" xsi:nil="true"/>
-    <IntlLangReviewer xmlns="c66daf58-3c46-4c48-8560-c485e881f7f9" xsi:nil="true"/>
-    <OpenTemplate xmlns="c66daf58-3c46-4c48-8560-c485e881f7f9">true</OpenTemplate>
-    <CSXSubmissionDate xmlns="c66daf58-3c46-4c48-8560-c485e881f7f9" xsi:nil="true"/>
-    <TaxCatchAll xmlns="c66daf58-3c46-4c48-8560-c485e881f7f9"/>
-    <Manager xmlns="c66daf58-3c46-4c48-8560-c485e881f7f9" xsi:nil="true"/>
-    <NumericId xmlns="c66daf58-3c46-4c48-8560-c485e881f7f9" xsi:nil="true"/>
-    <ParentAssetId xmlns="c66daf58-3c46-4c48-8560-c485e881f7f9" xsi:nil="true"/>
-    <OriginalSourceMarket xmlns="c66daf58-3c46-4c48-8560-c485e881f7f9">english</OriginalSourceMarket>
-    <ApprovalStatus xmlns="c66daf58-3c46-4c48-8560-c485e881f7f9">InProgress</ApprovalStatus>
-    <TPComponent xmlns="c66daf58-3c46-4c48-8560-c485e881f7f9" xsi:nil="true"/>
-    <EditorialTags xmlns="c66daf58-3c46-4c48-8560-c485e881f7f9" xsi:nil="true"/>
-    <TPExecutable xmlns="c66daf58-3c46-4c48-8560-c485e881f7f9" xsi:nil="true"/>
-    <TPLaunchHelpLink xmlns="c66daf58-3c46-4c48-8560-c485e881f7f9" xsi:nil="true"/>
-    <LocComments xmlns="c66daf58-3c46-4c48-8560-c485e881f7f9" xsi:nil="true"/>
-    <LocRecommendedHandoff xmlns="c66daf58-3c46-4c48-8560-c485e881f7f9" xsi:nil="true"/>
-    <SourceTitle xmlns="c66daf58-3c46-4c48-8560-c485e881f7f9" xsi:nil="true"/>
-    <CSXUpdate xmlns="c66daf58-3c46-4c48-8560-c485e881f7f9">false</CSXUpdate>
-    <IntlLocPriority xmlns="c66daf58-3c46-4c48-8560-c485e881f7f9" xsi:nil="true"/>
-    <UAProjectedTotalWords xmlns="c66daf58-3c46-4c48-8560-c485e881f7f9" xsi:nil="true"/>
-    <AssetType xmlns="c66daf58-3c46-4c48-8560-c485e881f7f9">TP</AssetType>
-    <MachineTranslated xmlns="c66daf58-3c46-4c48-8560-c485e881f7f9">false</MachineTranslated>
-    <OutputCachingOn xmlns="c66daf58-3c46-4c48-8560-c485e881f7f9">false</OutputCachingOn>
-    <TemplateStatus xmlns="c66daf58-3c46-4c48-8560-c485e881f7f9">Complete</TemplateStatus>
-    <IsSearchable xmlns="c66daf58-3c46-4c48-8560-c485e881f7f9">true</IsSearchable>
-    <ContentItem xmlns="c66daf58-3c46-4c48-8560-c485e881f7f9" xsi:nil="true"/>
-    <HandoffToMSDN xmlns="c66daf58-3c46-4c48-8560-c485e881f7f9" xsi:nil="true"/>
-    <ShowIn xmlns="c66daf58-3c46-4c48-8560-c485e881f7f9">Show everywhere</ShowIn>
-    <ThumbnailAssetId xmlns="c66daf58-3c46-4c48-8560-c485e881f7f9" xsi:nil="true"/>
-    <UALocComments xmlns="c66daf58-3c46-4c48-8560-c485e881f7f9" xsi:nil="true"/>
-    <UALocRecommendation xmlns="c66daf58-3c46-4c48-8560-c485e881f7f9">Localize</UALocRecommendation>
-    <LastModifiedDateTime xmlns="c66daf58-3c46-4c48-8560-c485e881f7f9" xsi:nil="true"/>
-    <LegacyData xmlns="c66daf58-3c46-4c48-8560-c485e881f7f9" xsi:nil="true"/>
-    <LocManualTestRequired xmlns="c66daf58-3c46-4c48-8560-c485e881f7f9">false</LocManualTestRequired>
-    <LocMarketGroupTiers2 xmlns="c66daf58-3c46-4c48-8560-c485e881f7f9" xsi:nil="true"/>
-    <ClipArtFilename xmlns="c66daf58-3c46-4c48-8560-c485e881f7f9" xsi:nil="true"/>
-    <TPApplication xmlns="c66daf58-3c46-4c48-8560-c485e881f7f9" xsi:nil="true"/>
-    <CSXHash xmlns="c66daf58-3c46-4c48-8560-c485e881f7f9" xsi:nil="true"/>
-    <DirectSourceMarket xmlns="c66daf58-3c46-4c48-8560-c485e881f7f9">english</DirectSourceMarket>
-    <PrimaryImageGen xmlns="c66daf58-3c46-4c48-8560-c485e881f7f9">true</PrimaryImageGen>
-    <PlannedPubDate xmlns="c66daf58-3c46-4c48-8560-c485e881f7f9" xsi:nil="true"/>
-    <CSXSubmissionMarket xmlns="c66daf58-3c46-4c48-8560-c485e881f7f9" xsi:nil="true"/>
-    <Downloads xmlns="c66daf58-3c46-4c48-8560-c485e881f7f9">0</Downloads>
-    <ArtSampleDocs xmlns="c66daf58-3c46-4c48-8560-c485e881f7f9" xsi:nil="true"/>
-    <TrustLevel xmlns="c66daf58-3c46-4c48-8560-c485e881f7f9">1 Microsoft Managed Content</TrustLevel>
-    <BlockPublish xmlns="c66daf58-3c46-4c48-8560-c485e881f7f9">false</BlockPublish>
-    <TPLaunchHelpLinkType xmlns="c66daf58-3c46-4c48-8560-c485e881f7f9">Template</TPLaunchHelpLinkType>
-    <LocalizationTagsTaxHTField0 xmlns="c66daf58-3c46-4c48-8560-c485e881f7f9">
-      <Terms xmlns="http://schemas.microsoft.com/office/infopath/2007/PartnerControls"/>
-    </LocalizationTagsTaxHTField0>
-    <BusinessGroup xmlns="c66daf58-3c46-4c48-8560-c485e881f7f9" xsi:nil="true"/>
-    <Providers xmlns="c66daf58-3c46-4c48-8560-c485e881f7f9" xsi:nil="true"/>
-    <TemplateTemplateType xmlns="c66daf58-3c46-4c48-8560-c485e881f7f9">PowerPoint Presentation Template</TemplateTemplateType>
-    <TimesCloned xmlns="c66daf58-3c46-4c48-8560-c485e881f7f9" xsi:nil="true"/>
-    <TPAppVersion xmlns="c66daf58-3c46-4c48-8560-c485e881f7f9" xsi:nil="true"/>
-    <VoteCount xmlns="c66daf58-3c46-4c48-8560-c485e881f7f9" xsi:nil="true"/>
-    <AverageRating xmlns="c66daf58-3c46-4c48-8560-c485e881f7f9" xsi:nil="true"/>
-    <FeatureTagsTaxHTField0 xmlns="c66daf58-3c46-4c48-8560-c485e881f7f9">
-      <Terms xmlns="http://schemas.microsoft.com/office/infopath/2007/PartnerControls"/>
-    </FeatureTagsTaxHTField0>
-    <Provider xmlns="c66daf58-3c46-4c48-8560-c485e881f7f9" xsi:nil="true"/>
-    <UACurrentWords xmlns="c66daf58-3c46-4c48-8560-c485e881f7f9" xsi:nil="true"/>
-    <AssetId xmlns="c66daf58-3c46-4c48-8560-c485e881f7f9">TP103031012</AssetId>
-    <TPClientViewer xmlns="c66daf58-3c46-4c48-8560-c485e881f7f9" xsi:nil="true"/>
-    <DSATActionTaken xmlns="c66daf58-3c46-4c48-8560-c485e881f7f9" xsi:nil="true"/>
-    <APEditor xmlns="c66daf58-3c46-4c48-8560-c485e881f7f9">
-      <UserInfo>
-        <DisplayName/>
-        <AccountId xsi:nil="true"/>
-        <AccountType/>
-      </UserInfo>
-    </APEditor>
-    <TPInstallLocation xmlns="c66daf58-3c46-4c48-8560-c485e881f7f9" xsi:nil="true"/>
-    <OOCacheId xmlns="c66daf58-3c46-4c48-8560-c485e881f7f9" xsi:nil="true"/>
-    <IsDeleted xmlns="c66daf58-3c46-4c48-8560-c485e881f7f9">false</IsDeleted>
-    <PublishTargets xmlns="c66daf58-3c46-4c48-8560-c485e881f7f9">OfficeOnlineVNext</PublishTargets>
-    <ApprovalLog xmlns="c66daf58-3c46-4c48-8560-c485e881f7f9" xsi:nil="true"/>
-    <BugNumber xmlns="c66daf58-3c46-4c48-8560-c485e881f7f9" xsi:nil="true"/>
-    <CrawlForDependencies xmlns="c66daf58-3c46-4c48-8560-c485e881f7f9">false</CrawlForDependencies>
-    <InternalTagsTaxHTField0 xmlns="c66daf58-3c46-4c48-8560-c485e881f7f9">
-      <Terms xmlns="http://schemas.microsoft.com/office/infopath/2007/PartnerControls"/>
-    </InternalTagsTaxHTField0>
-    <LastHandOff xmlns="c66daf58-3c46-4c48-8560-c485e881f7f9" xsi:nil="true"/>
-    <Milestone xmlns="c66daf58-3c46-4c48-8560-c485e881f7f9" xsi:nil="true"/>
-    <OriginalRelease xmlns="c66daf58-3c46-4c48-8560-c485e881f7f9">15</OriginalRelease>
-    <RecommendationsModifier xmlns="c66daf58-3c46-4c48-8560-c485e881f7f9" xsi:nil="true"/>
-    <ScenarioTagsTaxHTField0 xmlns="c66daf58-3c46-4c48-8560-c485e881f7f9">
-      <Terms xmlns="http://schemas.microsoft.com/office/infopath/2007/PartnerControls"/>
-    </ScenarioTagsTaxHTField0>
-    <UANotes xmlns="c66daf58-3c46-4c48-8560-c485e881f7f9" xsi:nil="true"/>
-    <Component xmlns="8e8ea6d1-e150-4704-b47c-0a92d6aed386" xsi:nil="true"/>
-    <Description0 xmlns="8e8ea6d1-e150-4704-b47c-0a92d6aed386" xsi:nil="true"/>
-  </documentManagement>
-</p:properties>
+<file path=customXml/itemProps2.xml><?xml version="1.0" encoding="utf-8"?>
+<ds:datastoreItem xmlns:ds="http://schemas.openxmlformats.org/officeDocument/2006/customXml" ds:itemID="{27087C0F-7449-45C4-B248-63D02665BF1F}">
+  <ds:schemaRefs>
+    <ds:schemaRef ds:uri="http://schemas.microsoft.com/sharepoint/v3/contenttype/forms"/>
+  </ds:schemaRefs>
+</ds:datastoreItem>
 </file>
 
-<file path=customXml/itemProps1.xml><?xml version="1.0" encoding="utf-8"?>
+<file path=customXml/itemProps3.xml><?xml version="1.0" encoding="utf-8"?>
 <ds:datastoreItem xmlns:ds="http://schemas.openxmlformats.org/officeDocument/2006/customXml" ds:itemID="{85C77690-A151-43A8-BE2F-E82FED454249}">
   <ds:schemaRefs>
     <ds:schemaRef ds:uri="http://schemas.microsoft.com/office/2006/metadata/contentType"/>
@@ -29472,23 +29594,4 @@
     <ds:schemaRef ds:uri="http://schemas.microsoft.com/internal/obd"/>
   </ds:schemaRefs>
 </ds:datastoreItem>
-</file>
-
-<file path=customXml/itemProps2.xml><?xml version="1.0" encoding="utf-8"?>
-<ds:datastoreItem xmlns:ds="http://schemas.openxmlformats.org/officeDocument/2006/customXml" ds:itemID="{27087C0F-7449-45C4-B248-63D02665BF1F}">
-  <ds:schemaRefs>
-    <ds:schemaRef ds:uri="http://schemas.microsoft.com/sharepoint/v3/contenttype/forms"/>
-  </ds:schemaRefs>
-</ds:datastoreItem>
-</file>
-
-<file path=customXml/itemProps3.xml><?xml version="1.0" encoding="utf-8"?>
-<ds:datastoreItem xmlns:ds="http://schemas.openxmlformats.org/officeDocument/2006/customXml" ds:itemID="{5B928D1E-68BA-412E-B34A-7160A7263FC7}">
-  <ds:schemaRefs>
-    <ds:schemaRef ds:uri="http://schemas.microsoft.com/office/2006/metadata/properties"/>
-    <ds:schemaRef ds:uri="http://schemas.microsoft.com/office/infopath/2007/PartnerControls"/>
-    <ds:schemaRef ds:uri="c66daf58-3c46-4c48-8560-c485e881f7f9"/>
-    <ds:schemaRef ds:uri="8e8ea6d1-e150-4704-b47c-0a92d6aed386"/>
-  </ds:schemaRefs>
-</ds:datastoreItem>
 </file>